--- a/slides/20250703-foss4gnl-opensource-at-isric.pptx
+++ b/slides/20250703-foss4gnl-opensource-at-isric.pptx
@@ -23,29 +23,6 @@
     <p:sldId id="271" r:id="rId17"/>
     <p:sldId id="272" r:id="rId18"/>
     <p:sldId id="273" r:id="rId19"/>
-    <p:sldId id="274" r:id="rId20"/>
-    <p:sldId id="275" r:id="rId21"/>
-    <p:sldId id="276" r:id="rId22"/>
-    <p:sldId id="277" r:id="rId23"/>
-    <p:sldId id="278" r:id="rId24"/>
-    <p:sldId id="279" r:id="rId25"/>
-    <p:sldId id="280" r:id="rId26"/>
-    <p:sldId id="281" r:id="rId27"/>
-    <p:sldId id="282" r:id="rId28"/>
-    <p:sldId id="283" r:id="rId29"/>
-    <p:sldId id="284" r:id="rId30"/>
-    <p:sldId id="285" r:id="rId31"/>
-    <p:sldId id="286" r:id="rId32"/>
-    <p:sldId id="287" r:id="rId33"/>
-    <p:sldId id="288" r:id="rId34"/>
-    <p:sldId id="289" r:id="rId35"/>
-    <p:sldId id="290" r:id="rId36"/>
-    <p:sldId id="291" r:id="rId37"/>
-    <p:sldId id="292" r:id="rId38"/>
-    <p:sldId id="293" r:id="rId39"/>
-    <p:sldId id="294" r:id="rId40"/>
-    <p:sldId id="295" r:id="rId41"/>
-    <p:sldId id="296" r:id="rId42"/>
   </p:sldIdLst>
   <p:sldSz cx="9144000" cy="5143500" type="screen16x9"/>
   <p:notesSz cx="6858000" cy="9144000"/>
@@ -3185,7 +3162,7 @@
             </a:pPr>
             <a:r>
               <a:rPr/>
-              <a:t>FOSS4G NL, Wageningen, july 2025</a:t>
+              <a:t>FOSS4G NL, Wageningen</a:t>
             </a:r>
             <a:br/>
             <a:br/>
@@ -3263,7 +3240,7 @@
             </a:pPr>
             <a:r>
               <a:rPr/>
-              <a:t>Q. Which URI’s are likely more persistent</a:t>
+              <a:t>TerriaJS</a:t>
             </a:r>
           </a:p>
         </p:txBody>
@@ -3286,35 +3263,35 @@
             <a:pPr lvl="0"/>
             <a:r>
               <a:rPr/>
-              <a:t>https://www.project-marvic.eu/datasets/3265-456-67788?uuid=3265-456-67788</a:t>
-            </a:r>
-          </a:p>
-          <a:p>
-            <a:pPr lvl="0"/>
-            <a:r>
-              <a:rPr/>
-              <a:t>https://analisi.transparenciacatalunya.cat/Urbanisme-infraestructures/Classificaci-i-qualificaci-del-s-l-de-les-edificac/qgtr-hfva/about_data</a:t>
-            </a:r>
-          </a:p>
-          <a:p>
-            <a:pPr lvl="0"/>
-            <a:r>
-              <a:rPr/>
-              <a:t>https://134.421.56.113:8080/geoserver/wms</a:t>
-            </a:r>
-          </a:p>
-          <a:p>
-            <a:pPr lvl="0"/>
-            <a:r>
-              <a:rPr/>
-              <a:t>https://catalegs.ide.cat/geonetwork/srv/dut/catalog.search#/metadata/edafologia-wms</a:t>
-            </a:r>
-          </a:p>
-          <a:p>
-            <a:pPr lvl="0"/>
-            <a:r>
-              <a:rPr/>
-              <a:t>https://doi.org/10.5281/zenodo.15050634</a:t>
+              <a:t>We use TerriaJS in 5-10 websites. Mostly to share our data products to potential users and stakeholders.</a:t>
+            </a:r>
+          </a:p>
+          <a:p>
+            <a:pPr lvl="0"/>
+            <a:r>
+              <a:rPr/>
+              <a:t>Any frontend application typically has many potential improvements</a:t>
+            </a:r>
+          </a:p>
+          <a:p>
+            <a:pPr lvl="0"/>
+            <a:r>
+              <a:rPr/>
+              <a:t>Especcially improvements around OGC interactions best be merged upstream</a:t>
+            </a:r>
+          </a:p>
+          <a:p>
+            <a:pPr lvl="0"/>
+            <a:r>
+              <a:rPr/>
+              <a:t>The TerriaJS community is not very aware of OGC standards, so it requires quite communication to land a Pull Request</a:t>
+            </a:r>
+          </a:p>
+          <a:p>
+            <a:pPr lvl="0"/>
+            <a:r>
+              <a:rPr/>
+              <a:t>We work with a frontend developer not related to the project, because it was difficult to reach out to direct contributors</a:t>
             </a:r>
           </a:p>
         </p:txBody>
@@ -3361,7 +3338,51 @@
             </a:pPr>
             <a:r>
               <a:rPr/>
-              <a:t>Q. How can people cite a database which is continuously updated?</a:t>
+              <a:t>CKAN</a:t>
+            </a:r>
+          </a:p>
+        </p:txBody>
+      </p:sp>
+      <p:sp>
+        <p:nvSpPr>
+          <p:cNvPr id="3" name="Content Placeholder 2"/>
+          <p:cNvSpPr>
+            <a:spLocks noGrp="1"/>
+          </p:cNvSpPr>
+          <p:nvPr>
+            <p:ph idx="1"/>
+          </p:nvPr>
+        </p:nvSpPr>
+        <p:spPr/>
+        <p:txBody>
+          <a:bodyPr/>
+          <a:lstStyle/>
+          <a:p>
+            <a:pPr lvl="0"/>
+            <a:r>
+              <a:rPr/>
+              <a:t>We asked university-support to deploy a default instance of CKAN (+SOLR), however it does then not include the spatial modules and tailored layout</a:t>
+            </a:r>
+          </a:p>
+          <a:p>
+            <a:pPr lvl="0"/>
+            <a:r>
+              <a:rPr/>
+              <a:t>We consulted a regional company knowledgable on CKAN implementations, they advised us to use the CKAN backend only and build a dedicated fromtend</a:t>
+            </a:r>
+          </a:p>
+          <a:p>
+            <a:pPr lvl="0"/>
+            <a:r>
+              <a:rPr/>
+              <a:t>The spatial modules of CKAN seem not maintained</a:t>
+            </a:r>
+          </a:p>
+          <a:p>
+            <a:pPr lvl="0"/>
+            <a:r>
+              <a:rPr/>
+              <a:t>We decided not to continue with CKAN for now</a:t>
             </a:r>
           </a:p>
         </p:txBody>
@@ -3408,366 +3429,69 @@
             </a:pPr>
             <a:r>
               <a:rPr/>
-              <a:t>Standards for metadata exchange</a:t>
-            </a:r>
-          </a:p>
-        </p:txBody>
-      </p:sp>
-      <p:graphicFrame>
-        <p:nvGraphicFramePr>
-          <p:cNvPr id="6" name="Content Placeholder 5"/>
-          <p:cNvGraphicFramePr>
-            <a:graphicFrameLocks noGrp="1"/>
-          </p:cNvGraphicFramePr>
+              <a:t>pycsw</a:t>
+            </a:r>
+          </a:p>
+        </p:txBody>
+      </p:sp>
+      <p:sp>
+        <p:nvSpPr>
+          <p:cNvPr id="3" name="Content Placeholder 2"/>
+          <p:cNvSpPr>
+            <a:spLocks noGrp="1"/>
+          </p:cNvSpPr>
           <p:nvPr>
             <p:ph idx="1"/>
           </p:nvPr>
-        </p:nvGraphicFramePr>
-        <p:xfrm>
-          <a:off x="457200" y="1193800"/>
-          <a:ext cx="8229600" cy="3390900"/>
-        </p:xfrm>
-        <a:graphic>
-          <a:graphicData uri="http://schemas.openxmlformats.org/drawingml/2006/table">
-            <a:tbl>
-              <a:tblPr firstRow="1" bandRow="1">
-                <a:tableStyleId>{5C22544A-7EE6-4342-B048-85BDC9FD1C3A}</a:tableStyleId>
-              </a:tblPr>
-              <a:tblGrid>
-                <a:gridCol w="2743200"/>
-                <a:gridCol w="2743200"/>
-                <a:gridCol w="2743200"/>
-              </a:tblGrid>
-              <a:tr h="0">
-                <a:tc>
-                  <a:txBody>
-                    <a:bodyPr/>
-                    <a:lstStyle/>
-                    <a:p>
-                      <a:pPr lvl="0" indent="0" marL="0">
-                        <a:buNone/>
-                      </a:pPr>
-                      <a:r>
-                        <a:rPr/>
-                        <a:t>Community</a:t>
-                      </a:r>
-                    </a:p>
-                  </a:txBody>
-                  <a:tcPr/>
-                </a:tc>
-                <a:tc>
-                  <a:txBody>
-                    <a:bodyPr/>
-                    <a:lstStyle/>
-                    <a:p>
-                      <a:pPr lvl="0" indent="0" marL="0">
-                        <a:buNone/>
-                      </a:pPr>
-                      <a:r>
-                        <a:rPr/>
-                        <a:t>Standard</a:t>
-                      </a:r>
-                    </a:p>
-                  </a:txBody>
-                  <a:tcPr/>
-                </a:tc>
-                <a:tc>
-                  <a:txBody>
-                    <a:bodyPr/>
-                    <a:lstStyle/>
-                    <a:p>
-                      <a:pPr lvl="0" indent="0" marL="0">
-                        <a:buNone/>
-                      </a:pPr>
-                      <a:r>
-                        <a:rPr/>
-                        <a:t>Protocol</a:t>
-                      </a:r>
-                    </a:p>
-                  </a:txBody>
-                  <a:tcPr/>
-                </a:tc>
-              </a:tr>
-              <a:tr h="0">
-                <a:tc>
-                  <a:txBody>
-                    <a:bodyPr/>
-                    <a:lstStyle/>
-                    <a:p>
-                      <a:pPr lvl="0" indent="0" marL="0">
-                        <a:buNone/>
-                      </a:pPr>
-                      <a:r>
-                        <a:rPr/>
-                        <a:t>Open data/Sematic web</a:t>
-                      </a:r>
-                    </a:p>
-                  </a:txBody>
-                </a:tc>
-                <a:tc>
-                  <a:txBody>
-                    <a:bodyPr/>
-                    <a:lstStyle/>
-                    <a:p>
-                      <a:pPr lvl="0" indent="0" marL="0">
-                        <a:buNone/>
-                      </a:pPr>
-                      <a:r>
-                        <a:rPr/>
-                        <a:t>DCAT</a:t>
-                      </a:r>
-                    </a:p>
-                  </a:txBody>
-                </a:tc>
-                <a:tc>
-                  <a:txBody>
-                    <a:bodyPr/>
-                    <a:lstStyle/>
-                    <a:p>
-                      <a:pPr lvl="0" indent="0" marL="0">
-                        <a:buNone/>
-                      </a:pPr>
-                      <a:r>
-                        <a:rPr/>
-                        <a:t>SPARQL</a:t>
-                      </a:r>
-                    </a:p>
-                  </a:txBody>
-                </a:tc>
-              </a:tr>
-              <a:tr h="0">
-                <a:tc>
-                  <a:txBody>
-                    <a:bodyPr/>
-                    <a:lstStyle/>
-                    <a:p>
-                      <a:pPr lvl="0" indent="0" marL="0">
-                        <a:buNone/>
-                      </a:pPr>
-                      <a:r>
-                        <a:rPr/>
-                        <a:t>Science</a:t>
-                      </a:r>
-                    </a:p>
-                  </a:txBody>
-                </a:tc>
-                <a:tc>
-                  <a:txBody>
-                    <a:bodyPr/>
-                    <a:lstStyle/>
-                    <a:p>
-                      <a:pPr lvl="0" indent="0" marL="0">
-                        <a:buNone/>
-                      </a:pPr>
-                      <a:r>
-                        <a:rPr/>
-                        <a:t>Datacite</a:t>
-                      </a:r>
-                    </a:p>
-                  </a:txBody>
-                </a:tc>
-                <a:tc>
-                  <a:txBody>
-                    <a:bodyPr/>
-                    <a:lstStyle/>
-                    <a:p>
-                      <a:pPr lvl="0" indent="0" marL="0">
-                        <a:buNone/>
-                      </a:pPr>
-                      <a:r>
-                        <a:rPr/>
-                        <a:t>OAI-PMH</a:t>
-                      </a:r>
-                    </a:p>
-                  </a:txBody>
-                </a:tc>
-              </a:tr>
-              <a:tr h="0">
-                <a:tc>
-                  <a:txBody>
-                    <a:bodyPr/>
-                    <a:lstStyle/>
-                    <a:p>
-                      <a:pPr lvl="0" indent="0" marL="0">
-                        <a:buNone/>
-                      </a:pPr>
-                      <a:r>
-                        <a:rPr/>
-                        <a:t>Geospatial</a:t>
-                      </a:r>
-                    </a:p>
-                  </a:txBody>
-                </a:tc>
-                <a:tc>
-                  <a:txBody>
-                    <a:bodyPr/>
-                    <a:lstStyle/>
-                    <a:p>
-                      <a:pPr lvl="0" indent="0" marL="0">
-                        <a:buNone/>
-                      </a:pPr>
-                      <a:r>
-                        <a:rPr/>
-                        <a:t>iso19115</a:t>
-                      </a:r>
-                    </a:p>
-                  </a:txBody>
-                </a:tc>
-                <a:tc>
-                  <a:txBody>
-                    <a:bodyPr/>
-                    <a:lstStyle/>
-                    <a:p>
-                      <a:pPr lvl="0" indent="0" marL="0">
-                        <a:buNone/>
-                      </a:pPr>
-                      <a:r>
-                        <a:rPr/>
-                        <a:t>CSW</a:t>
-                      </a:r>
-                    </a:p>
-                  </a:txBody>
-                </a:tc>
-              </a:tr>
-              <a:tr h="0">
-                <a:tc>
-                  <a:txBody>
-                    <a:bodyPr/>
-                    <a:lstStyle/>
-                    <a:p>
-                      <a:pPr lvl="0" indent="0" marL="0">
-                        <a:buNone/>
-                      </a:pPr>
-                      <a:r>
-                        <a:rPr/>
-                        <a:t>Earth observation</a:t>
-                      </a:r>
-                    </a:p>
-                  </a:txBody>
-                </a:tc>
-                <a:tc>
-                  <a:txBody>
-                    <a:bodyPr/>
-                    <a:lstStyle/>
-                    <a:p>
-                      <a:pPr lvl="0" indent="0" marL="0">
-                        <a:buNone/>
-                      </a:pPr>
-                      <a:r>
-                        <a:rPr/>
-                        <a:t>STAC</a:t>
-                      </a:r>
-                    </a:p>
-                  </a:txBody>
-                </a:tc>
-                <a:tc>
-                  <a:txBody>
-                    <a:bodyPr/>
-                    <a:lstStyle/>
-                    <a:p>
-                      <a:pPr lvl="0" indent="0" marL="0">
-                        <a:buNone/>
-                      </a:pPr>
-                      <a:r>
-                        <a:rPr/>
-                        <a:t>STAC</a:t>
-                      </a:r>
-                    </a:p>
-                  </a:txBody>
-                </a:tc>
-              </a:tr>
-              <a:tr h="0">
-                <a:tc>
-                  <a:txBody>
-                    <a:bodyPr/>
-                    <a:lstStyle/>
-                    <a:p>
-                      <a:pPr lvl="0" indent="0" marL="0">
-                        <a:buNone/>
-                      </a:pPr>
-                      <a:r>
-                        <a:rPr/>
-                        <a:t>Search engines</a:t>
-                      </a:r>
-                    </a:p>
-                  </a:txBody>
-                </a:tc>
-                <a:tc>
-                  <a:txBody>
-                    <a:bodyPr/>
-                    <a:lstStyle/>
-                    <a:p>
-                      <a:pPr lvl="0" indent="0" marL="0">
-                        <a:buNone/>
-                      </a:pPr>
-                      <a:r>
-                        <a:rPr/>
-                        <a:t>Schema.org</a:t>
-                      </a:r>
-                    </a:p>
-                  </a:txBody>
-                </a:tc>
-                <a:tc>
-                  <a:txBody>
-                    <a:bodyPr/>
-                    <a:lstStyle/>
-                    <a:p>
-                      <a:pPr lvl="0" indent="0" marL="0">
-                        <a:buNone/>
-                      </a:pPr>
-                      <a:r>
-                        <a:rPr/>
-                        <a:t>json-ld/microdata</a:t>
-                      </a:r>
-                    </a:p>
-                  </a:txBody>
-                </a:tc>
-              </a:tr>
-              <a:tr h="0">
-                <a:tc>
-                  <a:txBody>
-                    <a:bodyPr/>
-                    <a:lstStyle/>
-                    <a:p>
-                      <a:pPr lvl="0" indent="0" marL="0">
-                        <a:buNone/>
-                      </a:pPr>
-                      <a:r>
-                        <a:rPr/>
-                        <a:t>Ecology</a:t>
-                      </a:r>
-                    </a:p>
-                  </a:txBody>
-                </a:tc>
-                <a:tc>
-                  <a:txBody>
-                    <a:bodyPr/>
-                    <a:lstStyle/>
-                    <a:p>
-                      <a:pPr lvl="0" indent="0" marL="0">
-                        <a:buNone/>
-                      </a:pPr>
-                      <a:r>
-                        <a:rPr/>
-                        <a:t>EML</a:t>
-                      </a:r>
-                    </a:p>
-                  </a:txBody>
-                </a:tc>
-                <a:tc>
-                  <a:txBody>
-                    <a:bodyPr/>
-                    <a:lstStyle/>
-                    <a:p>
-                      <a:endParaRPr/>
-                    </a:p>
-                  </a:txBody>
-                </a:tc>
-              </a:tr>
-            </a:tbl>
-          </a:graphicData>
-        </a:graphic>
-      </p:graphicFrame>
+        </p:nvSpPr>
+        <p:spPr/>
+        <p:txBody>
+          <a:bodyPr/>
+          <a:lstStyle/>
+          <a:p>
+            <a:pPr lvl="0"/>
+            <a:r>
+              <a:rPr/>
+              <a:t>A minimalistic catalogue implementation, but very focussed on OGC standards support</a:t>
+            </a:r>
+          </a:p>
+          <a:p>
+            <a:pPr lvl="0"/>
+            <a:r>
+              <a:rPr/>
+              <a:t>Since OGC API’s pycsw has a (html) user interface</a:t>
+            </a:r>
+          </a:p>
+          <a:p>
+            <a:pPr lvl="0"/>
+            <a:r>
+              <a:rPr/>
+              <a:t>We feel it is a good fit for our use cases</a:t>
+            </a:r>
+          </a:p>
+          <a:p>
+            <a:pPr lvl="0"/>
+            <a:r>
+              <a:rPr/>
+              <a:t>Sometimes I get complaints that it is not as full featured as CKAN, but it’s hard to understand what’s actually missing</a:t>
+            </a:r>
+          </a:p>
+          <a:p>
+            <a:pPr lvl="0"/>
+            <a:r>
+              <a:rPr/>
+              <a:t>We recently landed Facet filters on OGC API Records and in pycsw</a:t>
+            </a:r>
+          </a:p>
+          <a:p>
+            <a:pPr lvl="0"/>
+            <a:r>
+              <a:rPr/>
+              <a:t>A group in norway is implementing a SOLR backend for pycsw</a:t>
+            </a:r>
+          </a:p>
+        </p:txBody>
+      </p:sp>
     </p:spTree>
   </p:cSld>
 </p:sld>
@@ -3810,7 +3534,7 @@
             </a:pPr>
             <a:r>
               <a:rPr/>
-              <a:t>Catalogues</a:t>
+              <a:t>Cloud Optimised Geotiff / GDAL</a:t>
             </a:r>
           </a:p>
         </p:txBody>
@@ -3833,21 +3557,35 @@
             <a:pPr lvl="0"/>
             <a:r>
               <a:rPr/>
-              <a:t>Catalogues offer a search functionality on sets of records</a:t>
-            </a:r>
-          </a:p>
-          <a:p>
-            <a:pPr lvl="0"/>
-            <a:r>
-              <a:rPr/>
-              <a:t>Catalogues exchange records to increase discoverability</a:t>
-            </a:r>
-          </a:p>
-          <a:p>
-            <a:pPr lvl="0"/>
-            <a:r>
-              <a:rPr/>
-              <a:t>Catalogues cross borders between communities by transforming metadata to relevant standards and protocols</a:t>
+              <a:t>Tiff is an important format for us, we have 100’s of GB of tiff data</a:t>
+            </a:r>
+          </a:p>
+          <a:p>
+            <a:pPr lvl="0"/>
+            <a:r>
+              <a:rPr/>
+              <a:t>Previously we would use tiff image pyramids to store global data, now switching to COG</a:t>
+            </a:r>
+          </a:p>
+          <a:p>
+            <a:pPr lvl="0"/>
+            <a:r>
+              <a:rPr/>
+              <a:t>Mapserver with a COG backend is many times faster then a plain tiff backend</a:t>
+            </a:r>
+          </a:p>
+          <a:p>
+            <a:pPr lvl="0"/>
+            <a:r>
+              <a:rPr/>
+              <a:t>Direct access from web to COG is not feasible yet, because our tiff data does not use a mercator projection, many repositories do not allow CORS</a:t>
+            </a:r>
+          </a:p>
+          <a:p>
+            <a:pPr lvl="0"/>
+            <a:r>
+              <a:rPr/>
+              <a:t>We’re open to suggestions…</a:t>
             </a:r>
           </a:p>
         </p:txBody>
@@ -3893,18 +3631,46 @@
               <a:buNone/>
             </a:pPr>
             <a:r>
-              <a:rPr/>
-              <a:t>Q. How is </a:t>
-            </a:r>
-            <a:r>
               <a:rPr>
                 <a:hlinkClick r:id="rId2"/>
               </a:rPr>
-              <a:t>google</a:t>
-            </a:r>
-            <a:r>
-              <a:rPr/>
-              <a:t> able to locate datasets</a:t>
+              <a:t>Apache Superset</a:t>
+            </a:r>
+          </a:p>
+        </p:txBody>
+      </p:sp>
+      <p:sp>
+        <p:nvSpPr>
+          <p:cNvPr id="3" name="Content Placeholder 2"/>
+          <p:cNvSpPr>
+            <a:spLocks noGrp="1"/>
+          </p:cNvSpPr>
+          <p:nvPr>
+            <p:ph idx="1"/>
+          </p:nvPr>
+        </p:nvSpPr>
+        <p:spPr/>
+        <p:txBody>
+          <a:bodyPr/>
+          <a:lstStyle/>
+          <a:p>
+            <a:pPr lvl="0"/>
+            <a:r>
+              <a:rPr/>
+              <a:t>I really enjoy creating </a:t>
+            </a:r>
+            <a:r>
+              <a:rPr>
+                <a:hlinkClick r:id="rId3"/>
+              </a:rPr>
+              <a:t>diagrams of arbitrary data</a:t>
+            </a:r>
+          </a:p>
+          <a:p>
+            <a:pPr lvl="0"/>
+            <a:r>
+              <a:rPr/>
+              <a:t>Unfortunate that it is a complex tool with many dependencies (redis, postgres)</a:t>
             </a:r>
           </a:p>
         </p:txBody>
@@ -3941,12 +3707,7 @@
             <p:ph type="title"/>
           </p:nvPr>
         </p:nvSpPr>
-        <p:spPr>
-          <a:xfrm>
-            <a:off x="722313" y="3305176"/>
-            <a:ext cx="7772400" cy="1021556"/>
-          </a:xfrm>
-        </p:spPr>
+        <p:spPr/>
         <p:txBody>
           <a:bodyPr/>
           <a:lstStyle/>
@@ -3956,7 +3717,68 @@
             </a:pPr>
             <a:r>
               <a:rPr/>
-              <a:t>Accessible</a:t>
+              <a:t>Humboldt Alignment Editor (</a:t>
+            </a:r>
+            <a:r>
+              <a:rPr>
+                <a:hlinkClick r:id="rId2"/>
+              </a:rPr>
+              <a:t>HALE</a:t>
+            </a:r>
+            <a:r>
+              <a:rPr/>
+              <a:t>)</a:t>
+            </a:r>
+          </a:p>
+        </p:txBody>
+      </p:sp>
+      <p:sp>
+        <p:nvSpPr>
+          <p:cNvPr id="3" name="Content Placeholder 2"/>
+          <p:cNvSpPr>
+            <a:spLocks noGrp="1"/>
+          </p:cNvSpPr>
+          <p:nvPr>
+            <p:ph idx="1"/>
+          </p:nvPr>
+        </p:nvSpPr>
+        <p:spPr/>
+        <p:txBody>
+          <a:bodyPr/>
+          <a:lstStyle/>
+          <a:p>
+            <a:pPr lvl="0"/>
+            <a:r>
+              <a:rPr/>
+              <a:t>Hale is a relevant tool for working with rich UML data models, such as soil observation data</a:t>
+            </a:r>
+          </a:p>
+          <a:p>
+            <a:pPr lvl="0"/>
+            <a:r>
+              <a:rPr/>
+              <a:t>Developers tend to focus on exporting postgres data to INSPIRE GML, but our use case is often vice versa</a:t>
+            </a:r>
+          </a:p>
+          <a:p>
+            <a:pPr lvl="0"/>
+            <a:r>
+              <a:rPr/>
+              <a:t>We hired the Wetransform team for a training and Q&amp;A on specific data (20hrs)</a:t>
+            </a:r>
+          </a:p>
+          <a:p>
+            <a:pPr lvl="0"/>
+            <a:r>
+              <a:rPr/>
+              <a:t>With the experts available, we were productive in 2 days, I wonder if I would have managed by myself, GML has its peculiarities</a:t>
+            </a:r>
+          </a:p>
+          <a:p>
+            <a:pPr lvl="0"/>
+            <a:r>
+              <a:rPr/>
+              <a:t>I notice our data scientists prefer data migration through R/Python scripts. However I see value in a visual Hale approach.</a:t>
             </a:r>
           </a:p>
         </p:txBody>
@@ -4003,7 +3825,7 @@
             </a:pPr>
             <a:r>
               <a:rPr/>
-              <a:t>Principles on Accessibility</a:t>
+              <a:t>Quarto</a:t>
             </a:r>
           </a:p>
         </p:txBody>
@@ -4026,14 +3848,47 @@
             <a:pPr lvl="0"/>
             <a:r>
               <a:rPr/>
-              <a:t>Data are retrievable by their identifier using a standardised communications protocol</a:t>
-            </a:r>
-          </a:p>
-          <a:p>
-            <a:pPr lvl="0"/>
-            <a:r>
-              <a:rPr/>
-              <a:t>Metadata are accessible, even when the data are no longer available</a:t>
+              <a:t>Static Site Generators fit our approach very well, performant, stable, secure</a:t>
+            </a:r>
+          </a:p>
+          <a:p>
+            <a:pPr lvl="0"/>
+            <a:r>
+              <a:rPr/>
+              <a:t>Some colleagues have challenges with the markdown in gitlab (and prefer wordpress)</a:t>
+            </a:r>
+          </a:p>
+          <a:p>
+            <a:pPr lvl="0"/>
+            <a:r>
+              <a:rPr/>
+              <a:t>Intially we started with </a:t>
+            </a:r>
+            <a:r>
+              <a:rPr>
+                <a:hlinkClick r:id="rId2"/>
+              </a:rPr>
+              <a:t>hugo</a:t>
+            </a:r>
+          </a:p>
+          <a:p>
+            <a:pPr lvl="0"/>
+            <a:r>
+              <a:rPr>
+                <a:hlinkClick r:id="rId3"/>
+              </a:rPr>
+              <a:t>Quarto</a:t>
+            </a:r>
+            <a:r>
+              <a:rPr/>
+              <a:t> was used by our data scientists for documentation, we aligned with them</a:t>
+            </a:r>
+          </a:p>
+          <a:p>
+            <a:pPr lvl="0"/>
+            <a:r>
+              <a:rPr/>
+              <a:t>I do appreciate Quarto now, it is less flexible, but full featured, it generated these slides</a:t>
             </a:r>
           </a:p>
         </p:txBody>
@@ -4080,37 +3935,7 @@
             </a:pPr>
             <a:r>
               <a:rPr/>
-              <a:t>Data sovereignty</a:t>
-            </a:r>
-          </a:p>
-        </p:txBody>
-      </p:sp>
-      <p:sp>
-        <p:nvSpPr>
-          <p:cNvPr id="3" name="Content Placeholder 2"/>
-          <p:cNvSpPr>
-            <a:spLocks noGrp="1"/>
-          </p:cNvSpPr>
-          <p:nvPr>
-            <p:ph idx="1"/>
-          </p:nvPr>
-        </p:nvSpPr>
-        <p:spPr/>
-        <p:txBody>
-          <a:bodyPr/>
-          <a:lstStyle/>
-          <a:p>
-            <a:pPr lvl="0"/>
-            <a:r>
-              <a:rPr/>
-              <a:t>Publish at an acknowledged repository (zenodo, dataverse) provides persistence</a:t>
-            </a:r>
-          </a:p>
-          <a:p>
-            <a:pPr lvl="0"/>
-            <a:r>
-              <a:rPr/>
-              <a:t>Use local tools to share data provides full control and trust</a:t>
+              <a:t>Conclusions</a:t>
             </a:r>
           </a:p>
         </p:txBody>
@@ -4157,159 +3982,7 @@
             </a:pPr>
             <a:r>
               <a:rPr/>
-              <a:t>Q. Which URI’s are likely more trusted</a:t>
-            </a:r>
-          </a:p>
-        </p:txBody>
-      </p:sp>
-      <p:sp>
-        <p:nvSpPr>
-          <p:cNvPr id="3" name="Content Placeholder 2"/>
-          <p:cNvSpPr>
-            <a:spLocks noGrp="1"/>
-          </p:cNvSpPr>
-          <p:nvPr>
-            <p:ph idx="1"/>
-          </p:nvPr>
-        </p:nvSpPr>
-        <p:spPr/>
-        <p:txBody>
-          <a:bodyPr/>
-          <a:lstStyle/>
-          <a:p>
-            <a:pPr lvl="0"/>
-            <a:r>
-              <a:rPr/>
-              <a:t>https://www.youtube.com/watch?v=YMsrVpVUyOw</a:t>
-            </a:r>
-          </a:p>
-          <a:p>
-            <a:pPr lvl="0"/>
-            <a:r>
-              <a:rPr/>
-              <a:t>https://zenodo.org/records/15050634</a:t>
-            </a:r>
-          </a:p>
-          <a:p>
-            <a:pPr lvl="0"/>
-            <a:r>
-              <a:rPr/>
-              <a:t>https://www.openstreetmap.org/relation/349053</a:t>
-            </a:r>
-          </a:p>
-          <a:p>
-            <a:pPr lvl="0"/>
-            <a:r>
-              <a:rPr/>
-              <a:t>https://administraciodigital.gencat.cat/ca/dades/dades-obertes/informacio-practica/llicencies/</a:t>
-            </a:r>
-          </a:p>
-        </p:txBody>
-      </p:sp>
-    </p:spTree>
-  </p:cSld>
-</p:sld>
-</file>
-
-<file path=ppt/slides/slide19.xml><?xml version="1.0" encoding="utf-8"?>
-<p:sld xmlns:a="http://schemas.openxmlformats.org/drawingml/2006/main" xmlns:r="http://schemas.openxmlformats.org/officeDocument/2006/relationships" xmlns:p="http://schemas.openxmlformats.org/presentationml/2006/main">
-  <p:cSld>
-    <p:spTree>
-      <p:nvGrpSpPr>
-        <p:cNvPr id="1" name=""/>
-        <p:cNvGrpSpPr/>
-        <p:nvPr/>
-      </p:nvGrpSpPr>
-      <p:grpSpPr>
-        <a:xfrm>
-          <a:off x="0" y="0"/>
-          <a:ext cx="0" cy="0"/>
-          <a:chOff x="0" y="0"/>
-          <a:chExt cx="0" cy="0"/>
-        </a:xfrm>
-      </p:grpSpPr>
-      <p:sp>
-        <p:nvSpPr>
-          <p:cNvPr id="2" name="Title 1"/>
-          <p:cNvSpPr>
-            <a:spLocks noGrp="1"/>
-          </p:cNvSpPr>
-          <p:nvPr>
-            <p:ph type="title"/>
-          </p:nvPr>
-        </p:nvSpPr>
-        <p:spPr/>
-        <p:txBody>
-          <a:bodyPr/>
-          <a:lstStyle/>
-          <a:p>
-            <a:pPr lvl="0" indent="0" marL="0">
-              <a:buNone/>
-            </a:pPr>
-            <a:r>
-              <a:rPr/>
-              <a:t>Standardised communications protocol</a:t>
-            </a:r>
-          </a:p>
-        </p:txBody>
-      </p:sp>
-      <p:sp>
-        <p:nvSpPr>
-          <p:cNvPr id="3" name="Content Placeholder 2"/>
-          <p:cNvSpPr>
-            <a:spLocks noGrp="1"/>
-          </p:cNvSpPr>
-          <p:nvPr>
-            <p:ph idx="1"/>
-          </p:nvPr>
-        </p:nvSpPr>
-        <p:spPr/>
-        <p:txBody>
-          <a:bodyPr/>
-          <a:lstStyle/>
-          <a:p>
-            <a:pPr lvl="0"/>
-            <a:r>
-              <a:rPr/>
-              <a:t>Generic protocols, http/ftp</a:t>
-            </a:r>
-          </a:p>
-          <a:p>
-            <a:pPr lvl="0"/>
-            <a:r>
-              <a:rPr/>
-              <a:t>Standardised (OGC) API’s vs tailored REST API’s</a:t>
-            </a:r>
-          </a:p>
-          <a:p>
-            <a:pPr lvl="1"/>
-            <a:r>
-              <a:rPr/>
-              <a:t>Traditional WMS, WFS, WCS</a:t>
-            </a:r>
-          </a:p>
-          <a:p>
-            <a:pPr lvl="1"/>
-            <a:r>
-              <a:rPr/>
-              <a:t>OGCAPI-Features / EDR</a:t>
-            </a:r>
-          </a:p>
-          <a:p>
-            <a:pPr lvl="1"/>
-            <a:r>
-              <a:rPr/>
-              <a:t>SensorThings API (</a:t>
-            </a:r>
-            <a:r>
-              <a:rPr>
-                <a:hlinkClick r:id="rId2"/>
-              </a:rPr>
-              <a:t>SoilThings</a:t>
-            </a:r>
-            <a:r>
-              <a:rPr/>
-              <a:t>)</a:t>
+              <a:t>Questions / Comments</a:t>
             </a:r>
           </a:p>
         </p:txBody>
@@ -4379,639 +4052,30 @@
             <a:pPr lvl="0"/>
             <a:r>
               <a:rPr/>
-              <a:t>Foundation funded by Dutch Government to maintain a collection of reference soil samples</a:t>
-            </a:r>
-          </a:p>
-          <a:p>
-            <a:pPr lvl="0"/>
-            <a:r>
-              <a:rPr/>
-              <a:t>Collects and harmonizes soil observation data from around the globe (WOSIS)</a:t>
-            </a:r>
-          </a:p>
-          <a:p>
-            <a:pPr lvl="0"/>
-            <a:r>
-              <a:rPr/>
-              <a:t>Predect the distribution of soil properties globally (Soilgrids)</a:t>
-            </a:r>
-          </a:p>
-          <a:p>
-            <a:pPr lvl="0"/>
-            <a:r>
-              <a:rPr/>
-              <a:t>Capacity building on soil data management at soil institutes around the globe</a:t>
-            </a:r>
-          </a:p>
-          <a:p>
-            <a:pPr lvl="0"/>
-            <a:r>
-              <a:rPr/>
-              <a:t>Participate in research projects to innovate the soil sciences</a:t>
-            </a:r>
-          </a:p>
-        </p:txBody>
-      </p:sp>
-    </p:spTree>
-  </p:cSld>
-</p:sld>
-</file>
-
-<file path=ppt/slides/slide20.xml><?xml version="1.0" encoding="utf-8"?>
-<p:sld xmlns:a="http://schemas.openxmlformats.org/drawingml/2006/main" xmlns:r="http://schemas.openxmlformats.org/officeDocument/2006/relationships" xmlns:p="http://schemas.openxmlformats.org/presentationml/2006/main">
-  <p:cSld>
-    <p:spTree>
-      <p:nvGrpSpPr>
-        <p:cNvPr id="1" name=""/>
-        <p:cNvGrpSpPr/>
-        <p:nvPr/>
-      </p:nvGrpSpPr>
-      <p:grpSpPr>
-        <a:xfrm>
-          <a:off x="0" y="0"/>
-          <a:ext cx="0" cy="0"/>
-          <a:chOff x="0" y="0"/>
-          <a:chExt cx="0" cy="0"/>
-        </a:xfrm>
-      </p:grpSpPr>
-      <p:sp>
-        <p:nvSpPr>
-          <p:cNvPr id="2" name="Title 1"/>
-          <p:cNvSpPr>
-            <a:spLocks noGrp="1"/>
-          </p:cNvSpPr>
-          <p:nvPr>
-            <p:ph type="title"/>
-          </p:nvPr>
-        </p:nvSpPr>
-        <p:spPr/>
-        <p:txBody>
-          <a:bodyPr/>
-          <a:lstStyle/>
-          <a:p>
-            <a:pPr lvl="0" indent="0" marL="0">
-              <a:buNone/>
-            </a:pPr>
-            <a:r>
-              <a:rPr/>
-              <a:t>Sensorthings</a:t>
-            </a:r>
-          </a:p>
-        </p:txBody>
-      </p:sp>
-      <p:pic>
-        <p:nvPicPr>
-          <p:cNvPr descr="https://user-images.githubusercontent.com/731673/198872280-dcee1a05-91f1-4fa5-8280-69d6d8fbe699.png" id="0" name="Picture 1"/>
-          <p:cNvPicPr>
-            <a:picLocks noGrp="1" noChangeAspect="1"/>
-          </p:cNvPicPr>
-          <p:nvPr/>
-        </p:nvPicPr>
-        <p:blipFill>
-          <a:blip r:embed="rId2"/>
-          <a:stretch>
-            <a:fillRect/>
-          </a:stretch>
-        </p:blipFill>
-        <p:spPr bwMode="auto">
-          <a:xfrm>
-            <a:off x="2133600" y="1193800"/>
-            <a:ext cx="4889500" cy="3390900"/>
-          </a:xfrm>
-          <a:prstGeom prst="rect">
-            <a:avLst/>
-          </a:prstGeom>
-          <a:noFill/>
-          <a:ln w="9525">
-            <a:noFill/>
-            <a:headEnd/>
-            <a:tailEnd/>
-          </a:ln>
-        </p:spPr>
-      </p:pic>
-    </p:spTree>
-  </p:cSld>
-</p:sld>
-</file>
-
-<file path=ppt/slides/slide21.xml><?xml version="1.0" encoding="utf-8"?>
-<p:sld xmlns:a="http://schemas.openxmlformats.org/drawingml/2006/main" xmlns:r="http://schemas.openxmlformats.org/officeDocument/2006/relationships" xmlns:p="http://schemas.openxmlformats.org/presentationml/2006/main">
-  <p:cSld>
-    <p:spTree>
-      <p:nvGrpSpPr>
-        <p:cNvPr id="1" name=""/>
-        <p:cNvGrpSpPr/>
-        <p:nvPr/>
-      </p:nvGrpSpPr>
-      <p:grpSpPr>
-        <a:xfrm>
-          <a:off x="0" y="0"/>
-          <a:ext cx="0" cy="0"/>
-          <a:chOff x="0" y="0"/>
-          <a:chExt cx="0" cy="0"/>
-        </a:xfrm>
-      </p:grpSpPr>
-      <p:sp>
-        <p:nvSpPr>
-          <p:cNvPr id="2" name="Title 1"/>
-          <p:cNvSpPr>
-            <a:spLocks noGrp="1"/>
-          </p:cNvSpPr>
-          <p:nvPr>
-            <p:ph type="title"/>
-          </p:nvPr>
-        </p:nvSpPr>
-        <p:spPr/>
-        <p:txBody>
-          <a:bodyPr/>
-          <a:lstStyle/>
-          <a:p>
-            <a:pPr lvl="0" indent="0" marL="0">
-              <a:buNone/>
-            </a:pPr>
-            <a:r>
-              <a:rPr/>
-              <a:t>Repository software</a:t>
-            </a:r>
-          </a:p>
-        </p:txBody>
-      </p:sp>
-      <p:sp>
-        <p:nvSpPr>
-          <p:cNvPr id="3" name="Content Placeholder 2"/>
-          <p:cNvSpPr>
-            <a:spLocks noGrp="1"/>
-          </p:cNvSpPr>
-          <p:nvPr>
-            <p:ph idx="1"/>
-          </p:nvPr>
-        </p:nvSpPr>
-        <p:spPr/>
-        <p:txBody>
-          <a:bodyPr/>
-          <a:lstStyle/>
-          <a:p>
-            <a:pPr lvl="0"/>
-            <a:r>
-              <a:rPr/>
-              <a:t>Webdav (or webserver software)</a:t>
-            </a:r>
-          </a:p>
-          <a:p>
-            <a:pPr lvl="0"/>
-            <a:r>
-              <a:rPr/>
-              <a:t>Zenodo, Dataverse</a:t>
-            </a:r>
-          </a:p>
-          <a:p>
-            <a:pPr lvl="0"/>
-            <a:r>
-              <a:rPr/>
-              <a:t>Document Management Systems (DMS)</a:t>
-            </a:r>
-          </a:p>
-          <a:p>
-            <a:pPr lvl="0"/>
-            <a:r>
-              <a:rPr/>
-              <a:t>Cloud storage (Github, Dropbox, Youtube, Amazon, Sharepoint)</a:t>
-            </a:r>
-          </a:p>
-        </p:txBody>
-      </p:sp>
-    </p:spTree>
-  </p:cSld>
-</p:sld>
-</file>
-
-<file path=ppt/slides/slide22.xml><?xml version="1.0" encoding="utf-8"?>
-<p:sld xmlns:a="http://schemas.openxmlformats.org/drawingml/2006/main" xmlns:r="http://schemas.openxmlformats.org/officeDocument/2006/relationships" xmlns:p="http://schemas.openxmlformats.org/presentationml/2006/main">
-  <p:cSld>
-    <p:spTree>
-      <p:nvGrpSpPr>
-        <p:cNvPr id="1" name=""/>
-        <p:cNvGrpSpPr/>
-        <p:nvPr/>
-      </p:nvGrpSpPr>
-      <p:grpSpPr>
-        <a:xfrm>
-          <a:off x="0" y="0"/>
-          <a:ext cx="0" cy="0"/>
-          <a:chOff x="0" y="0"/>
-          <a:chExt cx="0" cy="0"/>
-        </a:xfrm>
-      </p:grpSpPr>
-      <p:sp>
-        <p:nvSpPr>
-          <p:cNvPr id="2" name="Title 1"/>
-          <p:cNvSpPr>
-            <a:spLocks noGrp="1"/>
-          </p:cNvSpPr>
-          <p:nvPr>
-            <p:ph type="title"/>
-          </p:nvPr>
-        </p:nvSpPr>
-        <p:spPr/>
-        <p:txBody>
-          <a:bodyPr/>
-          <a:lstStyle/>
-          <a:p>
-            <a:pPr lvl="0" indent="0" marL="0">
-              <a:buNone/>
-            </a:pPr>
-            <a:r>
-              <a:rPr/>
-              <a:t>Testing tools</a:t>
-            </a:r>
-          </a:p>
-        </p:txBody>
-      </p:sp>
-      <p:sp>
-        <p:nvSpPr>
-          <p:cNvPr id="3" name="Content Placeholder 2"/>
-          <p:cNvSpPr>
-            <a:spLocks noGrp="1"/>
-          </p:cNvSpPr>
-          <p:nvPr>
-            <p:ph idx="1"/>
-          </p:nvPr>
-        </p:nvSpPr>
-        <p:spPr/>
-        <p:txBody>
-          <a:bodyPr/>
-          <a:lstStyle/>
-          <a:p>
-            <a:pPr lvl="0"/>
-            <a:r>
-              <a:rPr/>
-              <a:t>Automated link checking</a:t>
-            </a:r>
-          </a:p>
-          <a:p>
-            <a:pPr lvl="0"/>
-            <a:r>
-              <a:rPr/>
-              <a:t>Usage logs</a:t>
-            </a:r>
-          </a:p>
-          <a:p>
-            <a:pPr lvl="0"/>
-            <a:r>
-              <a:rPr/>
-              <a:t>Google Search Console notifies broken links</a:t>
-            </a:r>
-          </a:p>
-          <a:p>
-            <a:pPr lvl="0"/>
-            <a:r>
-              <a:rPr/>
-              <a:t>Availability monitoring</a:t>
-            </a:r>
-          </a:p>
-          <a:p>
-            <a:pPr lvl="0"/>
-            <a:r>
-              <a:rPr/>
-              <a:t>Content validation</a:t>
-            </a:r>
-          </a:p>
-        </p:txBody>
-      </p:sp>
-    </p:spTree>
-  </p:cSld>
-</p:sld>
-</file>
-
-<file path=ppt/slides/slide23.xml><?xml version="1.0" encoding="utf-8"?>
-<p:sld xmlns:a="http://schemas.openxmlformats.org/drawingml/2006/main" xmlns:r="http://schemas.openxmlformats.org/officeDocument/2006/relationships" xmlns:p="http://schemas.openxmlformats.org/presentationml/2006/main">
-  <p:cSld>
-    <p:spTree>
-      <p:nvGrpSpPr>
-        <p:cNvPr id="1" name=""/>
-        <p:cNvGrpSpPr/>
-        <p:nvPr/>
-      </p:nvGrpSpPr>
-      <p:grpSpPr>
-        <a:xfrm>
-          <a:off x="0" y="0"/>
-          <a:ext cx="0" cy="0"/>
-          <a:chOff x="0" y="0"/>
-          <a:chExt cx="0" cy="0"/>
-        </a:xfrm>
-      </p:grpSpPr>
-      <p:sp>
-        <p:nvSpPr>
-          <p:cNvPr id="2" name="Title 1"/>
-          <p:cNvSpPr>
-            <a:spLocks noGrp="1"/>
-          </p:cNvSpPr>
-          <p:nvPr>
-            <p:ph type="title"/>
-          </p:nvPr>
-        </p:nvSpPr>
-        <p:spPr>
-          <a:xfrm>
-            <a:off x="722313" y="3305176"/>
-            <a:ext cx="7772400" cy="1021556"/>
-          </a:xfrm>
-        </p:spPr>
-        <p:txBody>
-          <a:bodyPr/>
-          <a:lstStyle/>
-          <a:p>
-            <a:pPr lvl="0" indent="0" marL="0">
-              <a:buNone/>
-            </a:pPr>
-            <a:r>
-              <a:rPr/>
-              <a:t>Interoperable</a:t>
-            </a:r>
-          </a:p>
-        </p:txBody>
-      </p:sp>
-    </p:spTree>
-  </p:cSld>
-</p:sld>
-</file>
-
-<file path=ppt/slides/slide24.xml><?xml version="1.0" encoding="utf-8"?>
-<p:sld xmlns:a="http://schemas.openxmlformats.org/drawingml/2006/main" xmlns:r="http://schemas.openxmlformats.org/officeDocument/2006/relationships" xmlns:p="http://schemas.openxmlformats.org/presentationml/2006/main">
-  <p:cSld>
-    <p:spTree>
-      <p:nvGrpSpPr>
-        <p:cNvPr id="1" name=""/>
-        <p:cNvGrpSpPr/>
-        <p:nvPr/>
-      </p:nvGrpSpPr>
-      <p:grpSpPr>
-        <a:xfrm>
-          <a:off x="0" y="0"/>
-          <a:ext cx="0" cy="0"/>
-          <a:chOff x="0" y="0"/>
-          <a:chExt cx="0" cy="0"/>
-        </a:xfrm>
-      </p:grpSpPr>
-      <p:sp>
-        <p:nvSpPr>
-          <p:cNvPr id="2" name="Title 1"/>
-          <p:cNvSpPr>
-            <a:spLocks noGrp="1"/>
-          </p:cNvSpPr>
-          <p:nvPr>
-            <p:ph type="title"/>
-          </p:nvPr>
-        </p:nvSpPr>
-        <p:spPr/>
-        <p:txBody>
-          <a:bodyPr/>
-          <a:lstStyle/>
-          <a:p>
-            <a:pPr lvl="0" indent="0" marL="0">
-              <a:buNone/>
-            </a:pPr>
-            <a:r>
-              <a:rPr/>
-              <a:t>Principles on Interoperability</a:t>
-            </a:r>
-          </a:p>
-        </p:txBody>
-      </p:sp>
-      <p:sp>
-        <p:nvSpPr>
-          <p:cNvPr id="3" name="Content Placeholder 2"/>
-          <p:cNvSpPr>
-            <a:spLocks noGrp="1"/>
-          </p:cNvSpPr>
-          <p:nvPr>
-            <p:ph idx="1"/>
-          </p:nvPr>
-        </p:nvSpPr>
-        <p:spPr/>
-        <p:txBody>
-          <a:bodyPr/>
-          <a:lstStyle/>
-          <a:p>
-            <a:pPr lvl="0"/>
-            <a:r>
-              <a:rPr/>
-              <a:t>(Meta)data use a formal, accessible, shared, and broadly applicable language for knowledge representation.</a:t>
-            </a:r>
-          </a:p>
-          <a:p>
-            <a:pPr lvl="0"/>
-            <a:r>
-              <a:rPr/>
-              <a:t>(Meta)data use vocabularies that follow FAIR principles</a:t>
-            </a:r>
-          </a:p>
-          <a:p>
-            <a:pPr lvl="0"/>
-            <a:r>
-              <a:rPr/>
-              <a:t>(Meta)data include qualified references to other (meta)data</a:t>
-            </a:r>
-          </a:p>
-        </p:txBody>
-      </p:sp>
-    </p:spTree>
-  </p:cSld>
-</p:sld>
-</file>
-
-<file path=ppt/slides/slide25.xml><?xml version="1.0" encoding="utf-8"?>
-<p:sld xmlns:a="http://schemas.openxmlformats.org/drawingml/2006/main" xmlns:r="http://schemas.openxmlformats.org/officeDocument/2006/relationships" xmlns:p="http://schemas.openxmlformats.org/presentationml/2006/main">
-  <p:cSld>
-    <p:spTree>
-      <p:nvGrpSpPr>
-        <p:cNvPr id="1" name=""/>
-        <p:cNvGrpSpPr/>
-        <p:nvPr/>
-      </p:nvGrpSpPr>
-      <p:grpSpPr>
-        <a:xfrm>
-          <a:off x="0" y="0"/>
-          <a:ext cx="0" cy="0"/>
-          <a:chOff x="0" y="0"/>
-          <a:chExt cx="0" cy="0"/>
-        </a:xfrm>
-      </p:grpSpPr>
-      <p:sp>
-        <p:nvSpPr>
-          <p:cNvPr id="2" name="Title 1"/>
-          <p:cNvSpPr>
-            <a:spLocks noGrp="1"/>
-          </p:cNvSpPr>
-          <p:nvPr>
-            <p:ph type="title"/>
-          </p:nvPr>
-        </p:nvSpPr>
-        <p:spPr/>
-        <p:txBody>
-          <a:bodyPr/>
-          <a:lstStyle/>
-          <a:p>
-            <a:pPr lvl="0" indent="0" marL="0">
-              <a:buNone/>
-            </a:pPr>
-            <a:r>
-              <a:rPr/>
-              <a:t>Universal formats</a:t>
-            </a:r>
-          </a:p>
-        </p:txBody>
-      </p:sp>
-      <p:sp>
-        <p:nvSpPr>
-          <p:cNvPr id="3" name="Content Placeholder 2"/>
-          <p:cNvSpPr>
-            <a:spLocks noGrp="1"/>
-          </p:cNvSpPr>
-          <p:nvPr>
-            <p:ph idx="1"/>
-          </p:nvPr>
-        </p:nvSpPr>
-        <p:spPr/>
-        <p:txBody>
-          <a:bodyPr/>
-          <a:lstStyle/>
-          <a:p>
-            <a:pPr lvl="0" indent="0" marL="0">
-              <a:buNone/>
-            </a:pPr>
-            <a:r>
-              <a:rPr/>
-              <a:t>Facilitates accessing a resource with commonly available tooling</a:t>
-            </a:r>
-          </a:p>
-          <a:p>
-            <a:pPr lvl="0"/>
-            <a:r>
-              <a:rPr/>
-              <a:t>Proprietary vs Open (eg. ecw vs tiff)</a:t>
-            </a:r>
-          </a:p>
-          <a:p>
-            <a:pPr lvl="0"/>
-            <a:r>
-              <a:rPr/>
-              <a:t>De facto vs Formalised (eg. YAML vs XML)</a:t>
-            </a:r>
-          </a:p>
-          <a:p>
-            <a:pPr lvl="0"/>
-            <a:r>
-              <a:rPr/>
-              <a:t>Binary vs text based (eg. shapefile vs GeoJSON)</a:t>
-            </a:r>
-          </a:p>
-          <a:p>
-            <a:pPr lvl="0"/>
-            <a:r>
-              <a:rPr/>
-              <a:t>Cloud optimised vs Cloud native vs traditional (eg. COG vs GeoZarr vs GeoTiff)</a:t>
-            </a:r>
-          </a:p>
-          <a:p>
-            <a:pPr lvl="0"/>
-            <a:r>
-              <a:rPr/>
-              <a:t>Embedded metadata</a:t>
-            </a:r>
-          </a:p>
-        </p:txBody>
-      </p:sp>
-    </p:spTree>
-  </p:cSld>
-</p:sld>
-</file>
-
-<file path=ppt/slides/slide26.xml><?xml version="1.0" encoding="utf-8"?>
-<p:sld xmlns:a="http://schemas.openxmlformats.org/drawingml/2006/main" xmlns:r="http://schemas.openxmlformats.org/officeDocument/2006/relationships" xmlns:p="http://schemas.openxmlformats.org/presentationml/2006/main">
-  <p:cSld>
-    <p:spTree>
-      <p:nvGrpSpPr>
-        <p:cNvPr id="1" name=""/>
-        <p:cNvGrpSpPr/>
-        <p:nvPr/>
-      </p:nvGrpSpPr>
-      <p:grpSpPr>
-        <a:xfrm>
-          <a:off x="0" y="0"/>
-          <a:ext cx="0" cy="0"/>
-          <a:chOff x="0" y="0"/>
-          <a:chExt cx="0" cy="0"/>
-        </a:xfrm>
-      </p:grpSpPr>
-      <p:sp>
-        <p:nvSpPr>
-          <p:cNvPr id="2" name="Title 1"/>
-          <p:cNvSpPr>
-            <a:spLocks noGrp="1"/>
-          </p:cNvSpPr>
-          <p:nvPr>
-            <p:ph type="title"/>
-          </p:nvPr>
-        </p:nvSpPr>
-        <p:spPr/>
-        <p:txBody>
-          <a:bodyPr/>
-          <a:lstStyle/>
-          <a:p>
-            <a:pPr lvl="0" indent="0" marL="0">
-              <a:buNone/>
-            </a:pPr>
-            <a:r>
-              <a:rPr/>
-              <a:t>Adopt common vocabularies</a:t>
-            </a:r>
-          </a:p>
-        </p:txBody>
-      </p:sp>
-      <p:sp>
-        <p:nvSpPr>
-          <p:cNvPr id="3" name="Content Placeholder 2"/>
-          <p:cNvSpPr>
-            <a:spLocks noGrp="1"/>
-          </p:cNvSpPr>
-          <p:nvPr>
-            <p:ph idx="1"/>
-          </p:nvPr>
-        </p:nvSpPr>
-        <p:spPr/>
-        <p:txBody>
-          <a:bodyPr/>
-          <a:lstStyle/>
-          <a:p>
-            <a:pPr lvl="0" indent="0" marL="0">
-              <a:buNone/>
-            </a:pPr>
-            <a:r>
-              <a:rPr/>
-              <a:t>Adopting a standardised model enables aggregation of data.</a:t>
-            </a:r>
-          </a:p>
-          <a:p>
-            <a:pPr lvl="0"/>
-            <a:r>
-              <a:rPr/>
-              <a:t>Relational models (</a:t>
+              <a:t>Foundation funded by Dutch Government to maintain a global collection of reference soil samples (</a:t>
             </a:r>
             <a:r>
               <a:rPr>
                 <a:hlinkClick r:id="rId2"/>
               </a:rPr>
-              <a:t>INSPIRE GeoPackage</a:t>
-            </a:r>
-            <a:r>
-              <a:rPr/>
-              <a:t>, </a:t>
+              <a:t>ISIS</a:t>
+            </a:r>
+            <a:r>
+              <a:rPr/>
+              <a:t>)</a:t>
+            </a:r>
+          </a:p>
+          <a:p>
+            <a:pPr lvl="0"/>
+            <a:r>
+              <a:rPr/>
+              <a:t>Collect and harmonize soil observation data from around the globe (</a:t>
             </a:r>
             <a:r>
               <a:rPr>
                 <a:hlinkClick r:id="rId3"/>
               </a:rPr>
-              <a:t>iso28258asPostGres</a:t>
+              <a:t>WOSIS</a:t>
             </a:r>
             <a:r>
               <a:rPr/>
@@ -5022,23 +4086,30 @@
             <a:pPr lvl="0"/>
             <a:r>
               <a:rPr/>
-              <a:t>UML/GML models (</a:t>
+              <a:t>Globally predict the distribution of soil properties (</a:t>
             </a:r>
             <a:r>
               <a:rPr>
                 <a:hlinkClick r:id="rId4"/>
               </a:rPr>
-              <a:t>ISO28258</a:t>
-            </a:r>
-            <a:r>
-              <a:rPr/>
-              <a:t> </a:t>
+              <a:t>Soilgrids</a:t>
+            </a:r>
+            <a:r>
+              <a:rPr/>
+              <a:t>)</a:t>
+            </a:r>
+          </a:p>
+          <a:p>
+            <a:pPr lvl="0"/>
+            <a:r>
+              <a:rPr/>
+              <a:t>Capacity building on soil data management at soil institutes around the globe (</a:t>
             </a:r>
             <a:r>
               <a:rPr>
                 <a:hlinkClick r:id="rId5"/>
               </a:rPr>
-              <a:t>iso11074</a:t>
+              <a:t>Academy</a:t>
             </a:r>
             <a:r>
               <a:rPr/>
@@ -5049,291 +4120,17 @@
             <a:pPr lvl="0"/>
             <a:r>
               <a:rPr/>
-              <a:t>Semantic web ontologies (</a:t>
+              <a:t>Participate in </a:t>
             </a:r>
             <a:r>
               <a:rPr>
                 <a:hlinkClick r:id="rId6"/>
               </a:rPr>
-              <a:t>Glosis-ld</a:t>
-            </a:r>
-            <a:r>
-              <a:rPr/>
-              <a:t>, </a:t>
-            </a:r>
-            <a:r>
-              <a:rPr>
-                <a:hlinkClick r:id="rId7"/>
-              </a:rPr>
-              <a:t>vocabs</a:t>
-            </a:r>
-            <a:r>
-              <a:rPr/>
-              <a:t>)</a:t>
-            </a:r>
-          </a:p>
-          <a:p>
-            <a:pPr lvl="0"/>
-            <a:r>
-              <a:rPr/>
-              <a:t>Thesauri (WRB, Gemet, Agrovoc)</a:t>
-            </a:r>
-          </a:p>
-        </p:txBody>
-      </p:sp>
-    </p:spTree>
-  </p:cSld>
-</p:sld>
-</file>
-
-<file path=ppt/slides/slide27.xml><?xml version="1.0" encoding="utf-8"?>
-<p:sld xmlns:a="http://schemas.openxmlformats.org/drawingml/2006/main" xmlns:r="http://schemas.openxmlformats.org/officeDocument/2006/relationships" xmlns:p="http://schemas.openxmlformats.org/presentationml/2006/main">
-  <p:cSld>
-    <p:spTree>
-      <p:nvGrpSpPr>
-        <p:cNvPr id="1" name=""/>
-        <p:cNvGrpSpPr/>
-        <p:nvPr/>
-      </p:nvGrpSpPr>
-      <p:grpSpPr>
-        <a:xfrm>
-          <a:off x="0" y="0"/>
-          <a:ext cx="0" cy="0"/>
-          <a:chOff x="0" y="0"/>
-          <a:chExt cx="0" cy="0"/>
-        </a:xfrm>
-      </p:grpSpPr>
-      <p:sp>
-        <p:nvSpPr>
-          <p:cNvPr id="2" name="Title 1"/>
-          <p:cNvSpPr>
-            <a:spLocks noGrp="1"/>
-          </p:cNvSpPr>
-          <p:nvPr>
-            <p:ph type="title"/>
-          </p:nvPr>
-        </p:nvSpPr>
-        <p:spPr>
-          <a:xfrm>
-            <a:off x="722313" y="3305176"/>
-            <a:ext cx="7772400" cy="1021556"/>
-          </a:xfrm>
-        </p:spPr>
-        <p:txBody>
-          <a:bodyPr/>
-          <a:lstStyle/>
-          <a:p>
-            <a:pPr lvl="0" indent="0" marL="0">
-              <a:buNone/>
-            </a:pPr>
-            <a:r>
-              <a:rPr/>
-              <a:t>Reusable</a:t>
-            </a:r>
-          </a:p>
-        </p:txBody>
-      </p:sp>
-    </p:spTree>
-  </p:cSld>
-</p:sld>
-</file>
-
-<file path=ppt/slides/slide28.xml><?xml version="1.0" encoding="utf-8"?>
-<p:sld xmlns:a="http://schemas.openxmlformats.org/drawingml/2006/main" xmlns:r="http://schemas.openxmlformats.org/officeDocument/2006/relationships" xmlns:p="http://schemas.openxmlformats.org/presentationml/2006/main">
-  <p:cSld>
-    <p:spTree>
-      <p:nvGrpSpPr>
-        <p:cNvPr id="1" name=""/>
-        <p:cNvGrpSpPr/>
-        <p:nvPr/>
-      </p:nvGrpSpPr>
-      <p:grpSpPr>
-        <a:xfrm>
-          <a:off x="0" y="0"/>
-          <a:ext cx="0" cy="0"/>
-          <a:chOff x="0" y="0"/>
-          <a:chExt cx="0" cy="0"/>
-        </a:xfrm>
-      </p:grpSpPr>
-      <p:sp>
-        <p:nvSpPr>
-          <p:cNvPr id="2" name="Title 1"/>
-          <p:cNvSpPr>
-            <a:spLocks noGrp="1"/>
-          </p:cNvSpPr>
-          <p:nvPr>
-            <p:ph type="title"/>
-          </p:nvPr>
-        </p:nvSpPr>
-        <p:spPr/>
-        <p:txBody>
-          <a:bodyPr/>
-          <a:lstStyle/>
-          <a:p>
-            <a:pPr lvl="0" indent="0" marL="0">
-              <a:buNone/>
-            </a:pPr>
-            <a:r>
-              <a:rPr/>
-              <a:t>Principles on Re-use</a:t>
-            </a:r>
-          </a:p>
-        </p:txBody>
-      </p:sp>
-      <p:sp>
-        <p:nvSpPr>
-          <p:cNvPr id="3" name="Content Placeholder 2"/>
-          <p:cNvSpPr>
-            <a:spLocks noGrp="1"/>
-          </p:cNvSpPr>
-          <p:nvPr>
-            <p:ph idx="1"/>
-          </p:nvPr>
-        </p:nvSpPr>
-        <p:spPr/>
-        <p:txBody>
-          <a:bodyPr/>
-          <a:lstStyle/>
-          <a:p>
-            <a:pPr lvl="0"/>
-            <a:r>
-              <a:rPr/>
-              <a:t>(Meta)data are richly described with a plurality of accurate and relevant attributes</a:t>
-            </a:r>
-          </a:p>
-          <a:p>
-            <a:pPr lvl="0"/>
-            <a:r>
-              <a:rPr/>
-              <a:t>(Meta)data are released with a clear and accessible data usage license</a:t>
-            </a:r>
-          </a:p>
-          <a:p>
-            <a:pPr lvl="0"/>
-            <a:r>
-              <a:rPr/>
-              <a:t>(Meta)data are associated with detailed provenance</a:t>
-            </a:r>
-          </a:p>
-          <a:p>
-            <a:pPr lvl="0"/>
-            <a:r>
-              <a:rPr/>
-              <a:t>(Meta)data meet domain-relevant community standards</a:t>
-            </a:r>
-          </a:p>
-        </p:txBody>
-      </p:sp>
-    </p:spTree>
-  </p:cSld>
-</p:sld>
-</file>
-
-<file path=ppt/slides/slide29.xml><?xml version="1.0" encoding="utf-8"?>
-<p:sld xmlns:a="http://schemas.openxmlformats.org/drawingml/2006/main" xmlns:r="http://schemas.openxmlformats.org/officeDocument/2006/relationships" xmlns:p="http://schemas.openxmlformats.org/presentationml/2006/main">
-  <p:cSld>
-    <p:spTree>
-      <p:nvGrpSpPr>
-        <p:cNvPr id="1" name=""/>
-        <p:cNvGrpSpPr/>
-        <p:nvPr/>
-      </p:nvGrpSpPr>
-      <p:grpSpPr>
-        <a:xfrm>
-          <a:off x="0" y="0"/>
-          <a:ext cx="0" cy="0"/>
-          <a:chOff x="0" y="0"/>
-          <a:chExt cx="0" cy="0"/>
-        </a:xfrm>
-      </p:grpSpPr>
-      <p:sp>
-        <p:nvSpPr>
-          <p:cNvPr id="2" name="Title 1"/>
-          <p:cNvSpPr>
-            <a:spLocks noGrp="1"/>
-          </p:cNvSpPr>
-          <p:nvPr>
-            <p:ph type="title"/>
-          </p:nvPr>
-        </p:nvSpPr>
-        <p:spPr/>
-        <p:txBody>
-          <a:bodyPr/>
-          <a:lstStyle/>
-          <a:p>
-            <a:pPr lvl="0" indent="0" marL="0">
-              <a:buNone/>
-            </a:pPr>
-            <a:r>
-              <a:rPr/>
-              <a:t>What if my repository does not offer extended metadata options?</a:t>
-            </a:r>
-          </a:p>
-        </p:txBody>
-      </p:sp>
-      <p:sp>
-        <p:nvSpPr>
-          <p:cNvPr id="3" name="Content Placeholder 2"/>
-          <p:cNvSpPr>
-            <a:spLocks noGrp="1"/>
-          </p:cNvSpPr>
-          <p:nvPr>
-            <p:ph idx="1"/>
-          </p:nvPr>
-        </p:nvSpPr>
-        <p:spPr/>
-        <p:txBody>
-          <a:bodyPr/>
-          <a:lstStyle/>
-          <a:p>
-            <a:pPr lvl="0"/>
-            <a:r>
-              <a:rPr/>
-              <a:t>Use keywords from </a:t>
-            </a:r>
-            <a:r>
-              <a:rPr>
-                <a:hlinkClick r:id="rId2"/>
-              </a:rPr>
-              <a:t>relevant thesauri</a:t>
-            </a:r>
-            <a:r>
-              <a:rPr/>
-              <a:t> to </a:t>
-            </a:r>
-            <a:r>
-              <a:rPr>
-                <a:latin typeface="Courier"/>
-              </a:rPr>
-              <a:t>extend</a:t>
-            </a:r>
-          </a:p>
-          <a:p>
-            <a:pPr lvl="0"/>
-            <a:r>
-              <a:rPr/>
-              <a:t>Add a readme.txt file with extended information</a:t>
-            </a:r>
-          </a:p>
-          <a:p>
-            <a:pPr lvl="1"/>
-            <a:r>
-              <a:rPr/>
-              <a:t>Data model (which property, unit, analysis procedure)</a:t>
-            </a:r>
-          </a:p>
-          <a:p>
-            <a:pPr lvl="1"/>
-            <a:r>
-              <a:rPr/>
-              <a:t>Lineage (which data were used as a source)</a:t>
-            </a:r>
-          </a:p>
-          <a:p>
-            <a:pPr lvl="0"/>
-            <a:r>
-              <a:rPr/>
-              <a:t>Use a stuctured format for readme.</a:t>
+              <a:t>research projects</a:t>
+            </a:r>
+            <a:r>
+              <a:rPr/>
+              <a:t> to innovate the soil sciences</a:t>
             </a:r>
           </a:p>
         </p:txBody>
@@ -5380,7 +4177,7 @@
             </a:pPr>
             <a:r>
               <a:rPr/>
-              <a:t>Soil museum</a:t>
+              <a:t>World Soil Museum</a:t>
             </a:r>
           </a:p>
         </p:txBody>
@@ -5440,882 +4237,13 @@
             </a:pPr>
             <a:r>
               <a:rPr/>
-              <a:t>Soil museum by @tinker.nl</a:t>
-            </a:r>
-          </a:p>
-        </p:txBody>
-      </p:sp>
-    </p:spTree>
-  </p:cSld>
-</p:sld>
-</file>
-
-<file path=ppt/slides/slide30.xml><?xml version="1.0" encoding="utf-8"?>
-<p:sld xmlns:a="http://schemas.openxmlformats.org/drawingml/2006/main" xmlns:r="http://schemas.openxmlformats.org/officeDocument/2006/relationships" xmlns:p="http://schemas.openxmlformats.org/presentationml/2006/main">
-  <p:cSld>
-    <p:spTree>
-      <p:nvGrpSpPr>
-        <p:cNvPr id="1" name=""/>
-        <p:cNvGrpSpPr/>
-        <p:nvPr/>
-      </p:nvGrpSpPr>
-      <p:grpSpPr>
-        <a:xfrm>
-          <a:off x="0" y="0"/>
-          <a:ext cx="0" cy="0"/>
-          <a:chOff x="0" y="0"/>
-          <a:chExt cx="0" cy="0"/>
-        </a:xfrm>
-      </p:grpSpPr>
-      <p:sp>
-        <p:nvSpPr>
-          <p:cNvPr id="2" name="Title 1"/>
-          <p:cNvSpPr>
-            <a:spLocks noGrp="1"/>
-          </p:cNvSpPr>
-          <p:nvPr>
-            <p:ph type="title"/>
-          </p:nvPr>
-        </p:nvSpPr>
-        <p:spPr>
-          <a:xfrm>
-            <a:off x="722313" y="3305176"/>
-            <a:ext cx="7772400" cy="1021556"/>
-          </a:xfrm>
-        </p:spPr>
-        <p:txBody>
-          <a:bodyPr/>
-          <a:lstStyle/>
-          <a:p>
-            <a:pPr lvl="0" indent="0" marL="0">
-              <a:buNone/>
-            </a:pPr>
-            <a:r>
-              <a:rPr/>
-              <a:t>Metadata flows, ISRIC style</a:t>
-            </a:r>
-          </a:p>
-        </p:txBody>
-      </p:sp>
-    </p:spTree>
-  </p:cSld>
-</p:sld>
-</file>
-
-<file path=ppt/slides/slide31.xml><?xml version="1.0" encoding="utf-8"?>
-<p:sld xmlns:a="http://schemas.openxmlformats.org/drawingml/2006/main" xmlns:r="http://schemas.openxmlformats.org/officeDocument/2006/relationships" xmlns:p="http://schemas.openxmlformats.org/presentationml/2006/main">
-  <p:cSld>
-    <p:spTree>
-      <p:nvGrpSpPr>
-        <p:cNvPr id="1" name=""/>
-        <p:cNvGrpSpPr/>
-        <p:nvPr/>
-      </p:nvGrpSpPr>
-      <p:grpSpPr>
-        <a:xfrm>
-          <a:off x="0" y="0"/>
-          <a:ext cx="0" cy="0"/>
-          <a:chOff x="0" y="0"/>
-          <a:chExt cx="0" cy="0"/>
-        </a:xfrm>
-      </p:grpSpPr>
-      <p:sp>
-        <p:nvSpPr>
-          <p:cNvPr id="2" name="Title 1"/>
-          <p:cNvSpPr>
-            <a:spLocks noGrp="1"/>
-          </p:cNvSpPr>
-          <p:nvPr>
-            <p:ph type="title"/>
-          </p:nvPr>
-        </p:nvSpPr>
-        <p:spPr/>
-        <p:txBody>
-          <a:bodyPr/>
-          <a:lstStyle/>
-          <a:p>
-            <a:pPr lvl="0" indent="0" marL="0">
-              <a:buNone/>
-            </a:pPr>
-            <a:r>
-              <a:rPr/>
-              <a:t>Design considerations</a:t>
-            </a:r>
-          </a:p>
-        </p:txBody>
-      </p:sp>
-      <p:sp>
-        <p:nvSpPr>
-          <p:cNvPr id="3" name="Content Placeholder 2"/>
-          <p:cNvSpPr>
-            <a:spLocks noGrp="1"/>
-          </p:cNvSpPr>
-          <p:nvPr>
-            <p:ph idx="1"/>
-          </p:nvPr>
-        </p:nvSpPr>
-        <p:spPr/>
-        <p:txBody>
-          <a:bodyPr/>
-          <a:lstStyle/>
-          <a:p>
-            <a:pPr lvl="0"/>
-            <a:r>
-              <a:rPr/>
-              <a:t>A set of conventions and tools to create and share metadata of datasets</a:t>
-            </a:r>
-          </a:p>
-          <a:p>
-            <a:pPr lvl="0"/>
-            <a:r>
-              <a:rPr/>
-              <a:t>Soil scientists know their data, and should prepare the metadata records</a:t>
-            </a:r>
-          </a:p>
-          <a:p>
-            <a:pPr lvl="0"/>
-            <a:r>
-              <a:rPr/>
-              <a:t>Integrate in their environment, stay close to the tools they already use: R, Python, Git, Excel…?</a:t>
-            </a:r>
-          </a:p>
-          <a:p>
-            <a:pPr lvl="0"/>
-            <a:r>
-              <a:rPr/>
-              <a:t>Focus on spatial standards, because we’re in the spatial domain</a:t>
-            </a:r>
-          </a:p>
-        </p:txBody>
-      </p:sp>
-    </p:spTree>
-  </p:cSld>
-</p:sld>
-</file>
-
-<file path=ppt/slides/slide32.xml><?xml version="1.0" encoding="utf-8"?>
-<p:sld xmlns:a="http://schemas.openxmlformats.org/drawingml/2006/main" xmlns:r="http://schemas.openxmlformats.org/officeDocument/2006/relationships" xmlns:p="http://schemas.openxmlformats.org/presentationml/2006/main">
-  <p:cSld>
-    <p:spTree>
-      <p:nvGrpSpPr>
-        <p:cNvPr id="1" name=""/>
-        <p:cNvGrpSpPr/>
-        <p:nvPr/>
-      </p:nvGrpSpPr>
-      <p:grpSpPr>
-        <a:xfrm>
-          <a:off x="0" y="0"/>
-          <a:ext cx="0" cy="0"/>
-          <a:chOff x="0" y="0"/>
-          <a:chExt cx="0" cy="0"/>
-        </a:xfrm>
-      </p:grpSpPr>
-      <p:sp>
-        <p:nvSpPr>
-          <p:cNvPr id="2" name="Title 1"/>
-          <p:cNvSpPr>
-            <a:spLocks noGrp="1"/>
-          </p:cNvSpPr>
-          <p:nvPr>
-            <p:ph type="title"/>
-          </p:nvPr>
-        </p:nvSpPr>
-        <p:spPr/>
-        <p:txBody>
-          <a:bodyPr/>
-          <a:lstStyle/>
-          <a:p>
-            <a:pPr lvl="0" indent="0" marL="0">
-              <a:buNone/>
-            </a:pPr>
-            <a:r>
-              <a:rPr/>
-              <a:t>3 use cases</a:t>
-            </a:r>
-          </a:p>
-        </p:txBody>
-      </p:sp>
-      <p:sp>
-        <p:nvSpPr>
-          <p:cNvPr id="3" name="Content Placeholder 2"/>
-          <p:cNvSpPr>
-            <a:spLocks noGrp="1"/>
-          </p:cNvSpPr>
-          <p:nvPr>
-            <p:ph idx="1"/>
-          </p:nvPr>
-        </p:nvSpPr>
-        <p:spPr/>
-        <p:txBody>
-          <a:bodyPr/>
-          <a:lstStyle/>
-          <a:p>
-            <a:pPr lvl="0"/>
-            <a:r>
-              <a:rPr/>
-              <a:t>A team of soil scientists describes their source data, models and data outputs, for tracability and future re-use</a:t>
-            </a:r>
-          </a:p>
-          <a:p>
-            <a:pPr lvl="0"/>
-            <a:r>
-              <a:rPr/>
-              <a:t>An organisation aims to share a subset of their resources as open access data</a:t>
-            </a:r>
-          </a:p>
-          <a:p>
-            <a:pPr lvl="0"/>
-            <a:r>
-              <a:rPr/>
-              <a:t>A community aims to collect relevant remote resources in a </a:t>
-            </a:r>
-            <a:r>
-              <a:rPr>
-                <a:hlinkClick r:id="rId2"/>
-              </a:rPr>
-              <a:t>thematic catalogue</a:t>
-            </a:r>
-          </a:p>
-        </p:txBody>
-      </p:sp>
-    </p:spTree>
-  </p:cSld>
-</p:sld>
-</file>
-
-<file path=ppt/slides/slide33.xml><?xml version="1.0" encoding="utf-8"?>
-<p:sld xmlns:a="http://schemas.openxmlformats.org/drawingml/2006/main" xmlns:r="http://schemas.openxmlformats.org/officeDocument/2006/relationships" xmlns:p="http://schemas.openxmlformats.org/presentationml/2006/main">
-  <p:cSld>
-    <p:spTree>
-      <p:nvGrpSpPr>
-        <p:cNvPr id="1" name=""/>
-        <p:cNvGrpSpPr/>
-        <p:nvPr/>
-      </p:nvGrpSpPr>
-      <p:grpSpPr>
-        <a:xfrm>
-          <a:off x="0" y="0"/>
-          <a:ext cx="0" cy="0"/>
-          <a:chOff x="0" y="0"/>
-          <a:chExt cx="0" cy="0"/>
-        </a:xfrm>
-      </p:grpSpPr>
-      <p:sp>
-        <p:nvSpPr>
-          <p:cNvPr id="2" name="Title 1"/>
-          <p:cNvSpPr>
-            <a:spLocks noGrp="1"/>
-          </p:cNvSpPr>
-          <p:nvPr>
-            <p:ph type="title"/>
-          </p:nvPr>
-        </p:nvSpPr>
-        <p:spPr/>
-        <p:txBody>
-          <a:bodyPr/>
-          <a:lstStyle/>
-          <a:p>
-            <a:pPr lvl="0" indent="0" marL="0">
-              <a:buNone/>
-            </a:pPr>
-            <a:r>
-              <a:rPr/>
-              <a:t>Describe resources at their source</a:t>
-            </a:r>
-          </a:p>
-        </p:txBody>
-      </p:sp>
-      <p:sp>
-        <p:nvSpPr>
-          <p:cNvPr id="3" name="Content Placeholder 2"/>
-          <p:cNvSpPr>
-            <a:spLocks noGrp="1"/>
-          </p:cNvSpPr>
-          <p:nvPr>
-            <p:ph idx="1"/>
-          </p:nvPr>
-        </p:nvSpPr>
-        <p:spPr/>
-        <p:txBody>
-          <a:bodyPr/>
-          <a:lstStyle/>
-          <a:p>
-            <a:pPr lvl="0"/>
-            <a:r>
-              <a:rPr/>
-              <a:t>Builds on a convention of placing a README.txt file in a project folder, describing the source, attribution.</a:t>
-            </a:r>
-          </a:p>
-          <a:p>
-            <a:pPr lvl="0"/>
-            <a:r>
-              <a:rPr/>
-              <a:t>Based on standards, using </a:t>
-            </a:r>
-            <a:r>
-              <a:rPr>
-                <a:hlinkClick r:id="rId2"/>
-              </a:rPr>
-              <a:t>Metadata control file</a:t>
-            </a:r>
-            <a:r>
-              <a:rPr/>
-              <a:t> (mcf)</a:t>
-            </a:r>
-          </a:p>
-          <a:p>
-            <a:pPr lvl="0"/>
-            <a:r>
-              <a:rPr/>
-              <a:t>We’ve built a </a:t>
+              <a:t>World Soil Museum by </a:t>
             </a:r>
             <a:r>
               <a:rPr>
                 <a:hlinkClick r:id="rId3"/>
               </a:rPr>
-              <a:t>crawler tool</a:t>
-            </a:r>
-            <a:r>
-              <a:rPr/>
-              <a:t>, which</a:t>
-            </a:r>
-          </a:p>
-          <a:p>
-            <a:pPr lvl="1"/>
-            <a:r>
-              <a:rPr/>
-              <a:t>extracts embedded metadata from data to create initial mcf</a:t>
-            </a:r>
-          </a:p>
-          <a:p>
-            <a:pPr lvl="1"/>
-            <a:r>
-              <a:rPr/>
-              <a:t>extracts metadata from a set of project folders into a central index</a:t>
-            </a:r>
-          </a:p>
-        </p:txBody>
-      </p:sp>
-    </p:spTree>
-  </p:cSld>
-</p:sld>
-</file>
-
-<file path=ppt/slides/slide34.xml><?xml version="1.0" encoding="utf-8"?>
-<p:sld xmlns:a="http://schemas.openxmlformats.org/drawingml/2006/main" xmlns:r="http://schemas.openxmlformats.org/officeDocument/2006/relationships" xmlns:p="http://schemas.openxmlformats.org/presentationml/2006/main">
-  <p:cSld>
-    <p:spTree>
-      <p:nvGrpSpPr>
-        <p:cNvPr id="1" name=""/>
-        <p:cNvGrpSpPr/>
-        <p:nvPr/>
-      </p:nvGrpSpPr>
-      <p:grpSpPr>
-        <a:xfrm>
-          <a:off x="0" y="0"/>
-          <a:ext cx="0" cy="0"/>
-          <a:chOff x="0" y="0"/>
-          <a:chExt cx="0" cy="0"/>
-        </a:xfrm>
-      </p:grpSpPr>
-      <p:sp>
-        <p:nvSpPr>
-          <p:cNvPr id="2" name="Title 1"/>
-          <p:cNvSpPr>
-            <a:spLocks noGrp="1"/>
-          </p:cNvSpPr>
-          <p:nvPr>
-            <p:ph type="title"/>
-          </p:nvPr>
-        </p:nvSpPr>
-        <p:spPr/>
-        <p:txBody>
-          <a:bodyPr/>
-          <a:lstStyle/>
-          <a:p>
-            <a:pPr lvl="0" indent="0" marL="0">
-              <a:buNone/>
-            </a:pPr>
-            <a:r>
-              <a:rPr/>
-              <a:t>Example flow</a:t>
-            </a:r>
-          </a:p>
-        </p:txBody>
-      </p:sp>
-      <p:sp>
-        <p:nvSpPr>
-          <p:cNvPr id="3" name="Content Placeholder 2"/>
-          <p:cNvSpPr>
-            <a:spLocks noGrp="1"/>
-          </p:cNvSpPr>
-          <p:nvPr>
-            <p:ph idx="1"/>
-          </p:nvPr>
-        </p:nvSpPr>
-        <p:spPr/>
-        <p:txBody>
-          <a:bodyPr/>
-          <a:lstStyle/>
-          <a:p>
-            <a:pPr lvl="0"/>
-            <a:r>
-              <a:rPr/>
-              <a:t>Prepare a set of source data and covariates in a folder, import metadata from external sources</a:t>
-            </a:r>
-          </a:p>
-          <a:p>
-            <a:pPr lvl="0"/>
-            <a:r>
-              <a:rPr/>
-              <a:t>Model generates a distribution prediction based on inputs, model generates some metadata</a:t>
-            </a:r>
-          </a:p>
-          <a:p>
-            <a:pPr lvl="0"/>
-            <a:r>
-              <a:rPr/>
-              <a:t>Crawler tool combines generated metadata with embedded metadata (projection, bounds, bands)</a:t>
-            </a:r>
-          </a:p>
-          <a:p>
-            <a:pPr lvl="0"/>
-            <a:r>
-              <a:rPr/>
-              <a:t>Scientists verifies the generated metadata</a:t>
-            </a:r>
-          </a:p>
-          <a:p>
-            <a:pPr lvl="0"/>
-            <a:r>
-              <a:rPr/>
-              <a:t>Metadata is ingested into central index, quarable by colleagues</a:t>
-            </a:r>
-          </a:p>
-        </p:txBody>
-      </p:sp>
-    </p:spTree>
-  </p:cSld>
-</p:sld>
-</file>
-
-<file path=ppt/slides/slide35.xml><?xml version="1.0" encoding="utf-8"?>
-<p:sld xmlns:a="http://schemas.openxmlformats.org/drawingml/2006/main" xmlns:r="http://schemas.openxmlformats.org/officeDocument/2006/relationships" xmlns:p="http://schemas.openxmlformats.org/presentationml/2006/main">
-  <p:cSld>
-    <p:spTree>
-      <p:nvGrpSpPr>
-        <p:cNvPr id="1" name=""/>
-        <p:cNvGrpSpPr/>
-        <p:nvPr/>
-      </p:nvGrpSpPr>
-      <p:grpSpPr>
-        <a:xfrm>
-          <a:off x="0" y="0"/>
-          <a:ext cx="0" cy="0"/>
-          <a:chOff x="0" y="0"/>
-          <a:chExt cx="0" cy="0"/>
-        </a:xfrm>
-      </p:grpSpPr>
-      <p:sp>
-        <p:nvSpPr>
-          <p:cNvPr id="2" name="Title 1"/>
-          <p:cNvSpPr>
-            <a:spLocks noGrp="1"/>
-          </p:cNvSpPr>
-          <p:nvPr>
-            <p:ph type="title"/>
-          </p:nvPr>
-        </p:nvSpPr>
-        <p:spPr/>
-        <p:txBody>
-          <a:bodyPr/>
-          <a:lstStyle/>
-          <a:p>
-            <a:pPr lvl="0" indent="0" marL="0">
-              <a:buNone/>
-            </a:pPr>
-            <a:r>
-              <a:rPr/>
-              <a:t>Try it out</a:t>
-            </a:r>
-          </a:p>
-        </p:txBody>
-      </p:sp>
-      <p:sp>
-        <p:nvSpPr>
-          <p:cNvPr id="3" name="Content Placeholder 2"/>
-          <p:cNvSpPr>
-            <a:spLocks noGrp="1"/>
-          </p:cNvSpPr>
-          <p:nvPr>
-            <p:ph idx="1"/>
-          </p:nvPr>
-        </p:nvSpPr>
-        <p:spPr/>
-        <p:txBody>
-          <a:bodyPr/>
-          <a:lstStyle/>
-          <a:p>
-            <a:pPr lvl="0" indent="0">
-              <a:buNone/>
-            </a:pPr>
-            <a:r>
-              <a:rPr>
-                <a:latin typeface="Courier"/>
-              </a:rPr>
-              <a:t>docker run -it --rm -v$(pwd):/tmp \
- pvgenuchten/geodatacrawler:1.3.5 crawl-metadata \
- --mode=init --dir=/tmp</a:t>
-            </a:r>
-          </a:p>
-        </p:txBody>
-      </p:sp>
-    </p:spTree>
-  </p:cSld>
-</p:sld>
-</file>
-
-<file path=ppt/slides/slide36.xml><?xml version="1.0" encoding="utf-8"?>
-<p:sld xmlns:a="http://schemas.openxmlformats.org/drawingml/2006/main" xmlns:r="http://schemas.openxmlformats.org/officeDocument/2006/relationships" xmlns:p="http://schemas.openxmlformats.org/presentationml/2006/main">
-  <p:cSld>
-    <p:spTree>
-      <p:nvGrpSpPr>
-        <p:cNvPr id="1" name=""/>
-        <p:cNvGrpSpPr/>
-        <p:nvPr/>
-      </p:nvGrpSpPr>
-      <p:grpSpPr>
-        <a:xfrm>
-          <a:off x="0" y="0"/>
-          <a:ext cx="0" cy="0"/>
-          <a:chOff x="0" y="0"/>
-          <a:chExt cx="0" cy="0"/>
-        </a:xfrm>
-      </p:grpSpPr>
-      <p:sp>
-        <p:nvSpPr>
-          <p:cNvPr id="2" name="Title 1"/>
-          <p:cNvSpPr>
-            <a:spLocks noGrp="1"/>
-          </p:cNvSpPr>
-          <p:nvPr>
-            <p:ph type="title"/>
-          </p:nvPr>
-        </p:nvSpPr>
-        <p:spPr/>
-        <p:txBody>
-          <a:bodyPr/>
-          <a:lstStyle/>
-          <a:p>
-            <a:pPr lvl="0" indent="0" marL="0">
-              <a:buNone/>
-            </a:pPr>
-            <a:r>
-              <a:rPr/>
-              <a:t>Share as open access data</a:t>
-            </a:r>
-          </a:p>
-        </p:txBody>
-      </p:sp>
-      <p:sp>
-        <p:nvSpPr>
-          <p:cNvPr id="3" name="Content Placeholder 2"/>
-          <p:cNvSpPr>
-            <a:spLocks noGrp="1"/>
-          </p:cNvSpPr>
-          <p:nvPr>
-            <p:ph idx="1"/>
-          </p:nvPr>
-        </p:nvSpPr>
-        <p:spPr/>
-        <p:txBody>
-          <a:bodyPr/>
-          <a:lstStyle/>
-          <a:p>
-            <a:pPr lvl="0"/>
-            <a:r>
-              <a:rPr/>
-              <a:t>Import the indexed records in a catalogue</a:t>
-            </a:r>
-          </a:p>
-          <a:p>
-            <a:pPr lvl="0"/>
-            <a:r>
-              <a:rPr/>
-              <a:t>Use metadata to set up OGC data api’s (WMS, WFS, WCS)</a:t>
-            </a:r>
-          </a:p>
-          <a:p>
-            <a:pPr lvl="0"/>
-            <a:r>
-              <a:rPr/>
-              <a:t>Add the service endpoint back into the catalogue metadata</a:t>
-            </a:r>
-          </a:p>
-        </p:txBody>
-      </p:sp>
-    </p:spTree>
-  </p:cSld>
-</p:sld>
-</file>
-
-<file path=ppt/slides/slide37.xml><?xml version="1.0" encoding="utf-8"?>
-<p:sld xmlns:a="http://schemas.openxmlformats.org/drawingml/2006/main" xmlns:r="http://schemas.openxmlformats.org/officeDocument/2006/relationships" xmlns:p="http://schemas.openxmlformats.org/presentationml/2006/main">
-  <p:cSld>
-    <p:spTree>
-      <p:nvGrpSpPr>
-        <p:cNvPr id="1" name=""/>
-        <p:cNvGrpSpPr/>
-        <p:nvPr/>
-      </p:nvGrpSpPr>
-      <p:grpSpPr>
-        <a:xfrm>
-          <a:off x="0" y="0"/>
-          <a:ext cx="0" cy="0"/>
-          <a:chOff x="0" y="0"/>
-          <a:chExt cx="0" cy="0"/>
-        </a:xfrm>
-      </p:grpSpPr>
-      <p:sp>
-        <p:nvSpPr>
-          <p:cNvPr id="2" name="Title 1"/>
-          <p:cNvSpPr>
-            <a:spLocks noGrp="1"/>
-          </p:cNvSpPr>
-          <p:nvPr>
-            <p:ph type="title"/>
-          </p:nvPr>
-        </p:nvSpPr>
-        <p:spPr/>
-        <p:txBody>
-          <a:bodyPr/>
-          <a:lstStyle/>
-          <a:p>
-            <a:pPr lvl="0" indent="0" marL="0">
-              <a:buNone/>
-            </a:pPr>
-            <a:r>
-              <a:rPr/>
-              <a:t>Example flow</a:t>
-            </a:r>
-          </a:p>
-        </p:txBody>
-      </p:sp>
-      <p:sp>
-        <p:nvSpPr>
-          <p:cNvPr id="3" name="Content Placeholder 2"/>
-          <p:cNvSpPr>
-            <a:spLocks noGrp="1"/>
-          </p:cNvSpPr>
-          <p:nvPr>
-            <p:ph idx="1"/>
-          </p:nvPr>
-        </p:nvSpPr>
-        <p:spPr/>
-        <p:txBody>
-          <a:bodyPr/>
-          <a:lstStyle/>
-          <a:p>
-            <a:pPr lvl="0"/>
-            <a:r>
-              <a:rPr/>
-              <a:t>Subset of records and data files from previous flow are exported to an external catalogue</a:t>
-            </a:r>
-          </a:p>
-          <a:p>
-            <a:pPr lvl="0"/>
-            <a:r>
-              <a:rPr/>
-              <a:t>Datasets are made available through conveniance API</a:t>
-            </a:r>
-          </a:p>
-          <a:p>
-            <a:pPr lvl="0"/>
-            <a:r>
-              <a:rPr/>
-              <a:t>Users find the data in the catalogue and access it through the conveniance API</a:t>
-            </a:r>
-          </a:p>
-          <a:p>
-            <a:pPr lvl="0"/>
-            <a:r>
-              <a:rPr/>
-              <a:t>Users can suggest improvements to the (meta)data thourgh Git (or email)</a:t>
-            </a:r>
-          </a:p>
-        </p:txBody>
-      </p:sp>
-    </p:spTree>
-  </p:cSld>
-</p:sld>
-</file>
-
-<file path=ppt/slides/slide38.xml><?xml version="1.0" encoding="utf-8"?>
-<p:sld xmlns:a="http://schemas.openxmlformats.org/drawingml/2006/main" xmlns:r="http://schemas.openxmlformats.org/officeDocument/2006/relationships" xmlns:p="http://schemas.openxmlformats.org/presentationml/2006/main">
-  <p:cSld>
-    <p:spTree>
-      <p:nvGrpSpPr>
-        <p:cNvPr id="1" name=""/>
-        <p:cNvGrpSpPr/>
-        <p:nvPr/>
-      </p:nvGrpSpPr>
-      <p:grpSpPr>
-        <a:xfrm>
-          <a:off x="0" y="0"/>
-          <a:ext cx="0" cy="0"/>
-          <a:chOff x="0" y="0"/>
-          <a:chExt cx="0" cy="0"/>
-        </a:xfrm>
-      </p:grpSpPr>
-      <p:sp>
-        <p:nvSpPr>
-          <p:cNvPr id="2" name="Title 1"/>
-          <p:cNvSpPr>
-            <a:spLocks noGrp="1"/>
-          </p:cNvSpPr>
-          <p:nvPr>
-            <p:ph type="title"/>
-          </p:nvPr>
-        </p:nvSpPr>
-        <p:spPr/>
-        <p:txBody>
-          <a:bodyPr/>
-          <a:lstStyle/>
-          <a:p>
-            <a:pPr lvl="0" indent="0" marL="0">
-              <a:buNone/>
-            </a:pPr>
-            <a:r>
-              <a:rPr/>
-              <a:t>A thematic participatory data portal</a:t>
-            </a:r>
-          </a:p>
-        </p:txBody>
-      </p:sp>
-      <p:sp>
-        <p:nvSpPr>
-          <p:cNvPr id="3" name="Content Placeholder 2"/>
-          <p:cNvSpPr>
-            <a:spLocks noGrp="1"/>
-          </p:cNvSpPr>
-          <p:nvPr>
-            <p:ph idx="1"/>
-          </p:nvPr>
-        </p:nvSpPr>
-        <p:spPr/>
-        <p:txBody>
-          <a:bodyPr/>
-          <a:lstStyle/>
-          <a:p>
-            <a:pPr lvl="0"/>
-            <a:r>
-              <a:rPr/>
-              <a:t>Metadata from external sources is harvested (ingested and harmonised) to the central index</a:t>
-            </a:r>
-          </a:p>
-          <a:p>
-            <a:pPr lvl="0"/>
-            <a:r>
-              <a:rPr/>
-              <a:t>Harvest definition (url + filter + frequency) is stored on Git</a:t>
-            </a:r>
-          </a:p>
-          <a:p>
-            <a:pPr lvl="0"/>
-            <a:r>
-              <a:rPr/>
-              <a:t>Havests run at intervals using CI-CD pipelines (Github actions)</a:t>
-            </a:r>
-          </a:p>
-          <a:p>
-            <a:pPr lvl="0"/>
-            <a:r>
-              <a:rPr/>
-              <a:t>Users can suggest changes to the harvest definition (new url’s)</a:t>
-            </a:r>
-          </a:p>
-        </p:txBody>
-      </p:sp>
-    </p:spTree>
-  </p:cSld>
-</p:sld>
-</file>
-
-<file path=ppt/slides/slide39.xml><?xml version="1.0" encoding="utf-8"?>
-<p:sld xmlns:a="http://schemas.openxmlformats.org/drawingml/2006/main" xmlns:r="http://schemas.openxmlformats.org/officeDocument/2006/relationships" xmlns:p="http://schemas.openxmlformats.org/presentationml/2006/main">
-  <p:cSld>
-    <p:spTree>
-      <p:nvGrpSpPr>
-        <p:cNvPr id="1" name=""/>
-        <p:cNvGrpSpPr/>
-        <p:nvPr/>
-      </p:nvGrpSpPr>
-      <p:grpSpPr>
-        <a:xfrm>
-          <a:off x="0" y="0"/>
-          <a:ext cx="0" cy="0"/>
-          <a:chOff x="0" y="0"/>
-          <a:chExt cx="0" cy="0"/>
-        </a:xfrm>
-      </p:grpSpPr>
-      <p:sp>
-        <p:nvSpPr>
-          <p:cNvPr id="2" name="Title 1"/>
-          <p:cNvSpPr>
-            <a:spLocks noGrp="1"/>
-          </p:cNvSpPr>
-          <p:nvPr>
-            <p:ph type="title"/>
-          </p:nvPr>
-        </p:nvSpPr>
-        <p:spPr/>
-        <p:txBody>
-          <a:bodyPr/>
-          <a:lstStyle/>
-          <a:p>
-            <a:pPr lvl="0" indent="0" marL="0">
-              <a:buNone/>
-            </a:pPr>
-            <a:r>
-              <a:rPr/>
-              <a:t>Example flow</a:t>
-            </a:r>
-          </a:p>
-        </p:txBody>
-      </p:sp>
-      <p:sp>
-        <p:nvSpPr>
-          <p:cNvPr id="3" name="Content Placeholder 2"/>
-          <p:cNvSpPr>
-            <a:spLocks noGrp="1"/>
-          </p:cNvSpPr>
-          <p:nvPr>
-            <p:ph idx="1"/>
-          </p:nvPr>
-        </p:nvSpPr>
-        <p:spPr/>
-        <p:txBody>
-          <a:bodyPr/>
-          <a:lstStyle/>
-          <a:p>
-            <a:pPr lvl="0"/>
-            <a:r>
-              <a:rPr/>
-              <a:t>A set of relevant records is identified to be harvested</a:t>
-            </a:r>
-          </a:p>
-          <a:p>
-            <a:pPr lvl="0"/>
-            <a:r>
-              <a:rPr/>
-              <a:t>Definitions are updated in Git</a:t>
-            </a:r>
-          </a:p>
-          <a:p>
-            <a:pPr lvl="0"/>
-            <a:r>
-              <a:rPr/>
-              <a:t>Users provide feedback on outdated or missing records</a:t>
+              <a:t>tinker.nl</a:t>
             </a:r>
           </a:p>
         </p:txBody>
@@ -6362,54 +4290,7 @@
             </a:pPr>
             <a:r>
               <a:rPr/>
-              <a:t>Typical use cases for OSGEO</a:t>
-            </a:r>
-          </a:p>
-        </p:txBody>
-      </p:sp>
-    </p:spTree>
-  </p:cSld>
-</p:sld>
-</file>
-
-<file path=ppt/slides/slide40.xml><?xml version="1.0" encoding="utf-8"?>
-<p:sld xmlns:a="http://schemas.openxmlformats.org/drawingml/2006/main" xmlns:r="http://schemas.openxmlformats.org/officeDocument/2006/relationships" xmlns:p="http://schemas.openxmlformats.org/presentationml/2006/main">
-  <p:cSld>
-    <p:spTree>
-      <p:nvGrpSpPr>
-        <p:cNvPr id="1" name=""/>
-        <p:cNvGrpSpPr/>
-        <p:nvPr/>
-      </p:nvGrpSpPr>
-      <p:grpSpPr>
-        <a:xfrm>
-          <a:off x="0" y="0"/>
-          <a:ext cx="0" cy="0"/>
-          <a:chOff x="0" y="0"/>
-          <a:chExt cx="0" cy="0"/>
-        </a:xfrm>
-      </p:grpSpPr>
-      <p:sp>
-        <p:nvSpPr>
-          <p:cNvPr id="2" name="Title 1"/>
-          <p:cNvSpPr>
-            <a:spLocks noGrp="1"/>
-          </p:cNvSpPr>
-          <p:nvPr>
-            <p:ph type="title"/>
-          </p:nvPr>
-        </p:nvSpPr>
-        <p:spPr/>
-        <p:txBody>
-          <a:bodyPr/>
-          <a:lstStyle/>
-          <a:p>
-            <a:pPr lvl="0" indent="0" marL="0">
-              <a:buNone/>
-            </a:pPr>
-            <a:r>
-              <a:rPr/>
-              <a:t>Oh, but this is quite technical!</a:t>
+              <a:t>Typical use cases for FOSS(4G) software</a:t>
             </a:r>
           </a:p>
         </p:txBody>
@@ -6432,142 +4313,56 @@
             <a:pPr lvl="0"/>
             <a:r>
               <a:rPr/>
-              <a:t>ISO19139 and DCAT and their tools (GeoNetwork, CKAN, Dataverse) also have their peculiarities</a:t>
-            </a:r>
-          </a:p>
-          <a:p>
-            <a:pPr lvl="0"/>
-            <a:r>
-              <a:rPr/>
-              <a:t>Alternative to pull request in GIT? Use git issues and let others in the community fix</a:t>
-            </a:r>
-          </a:p>
-          <a:p>
-            <a:pPr lvl="0"/>
-            <a:r>
-              <a:rPr/>
-              <a:t>YAML has its caveats (indenting, reserved characters), use YAML check in text editor</a:t>
-            </a:r>
-          </a:p>
-          <a:p>
-            <a:pPr lvl="0"/>
-            <a:r>
-              <a:rPr/>
-              <a:t>We created a web-form for mcf editing, </a:t>
-            </a:r>
-            <a:r>
-              <a:rPr>
-                <a:hlinkClick r:id="rId2"/>
-              </a:rPr>
-              <a:t>mdme</a:t>
-            </a:r>
-          </a:p>
-        </p:txBody>
-      </p:sp>
-    </p:spTree>
-  </p:cSld>
-</p:sld>
-</file>
-
-<file path=ppt/slides/slide41.xml><?xml version="1.0" encoding="utf-8"?>
-<p:sld xmlns:a="http://schemas.openxmlformats.org/drawingml/2006/main" xmlns:r="http://schemas.openxmlformats.org/officeDocument/2006/relationships" xmlns:p="http://schemas.openxmlformats.org/presentationml/2006/main">
-  <p:cSld>
-    <p:spTree>
-      <p:nvGrpSpPr>
-        <p:cNvPr id="1" name=""/>
-        <p:cNvGrpSpPr/>
-        <p:nvPr/>
-      </p:nvGrpSpPr>
-      <p:grpSpPr>
-        <a:xfrm>
-          <a:off x="0" y="0"/>
-          <a:ext cx="0" cy="0"/>
-          <a:chOff x="0" y="0"/>
-          <a:chExt cx="0" cy="0"/>
-        </a:xfrm>
-      </p:grpSpPr>
-      <p:sp>
-        <p:nvSpPr>
-          <p:cNvPr id="2" name="Title 1"/>
-          <p:cNvSpPr>
-            <a:spLocks noGrp="1"/>
-          </p:cNvSpPr>
-          <p:nvPr>
-            <p:ph type="title"/>
-          </p:nvPr>
-        </p:nvSpPr>
-        <p:spPr/>
-        <p:txBody>
-          <a:bodyPr/>
-          <a:lstStyle/>
-          <a:p>
-            <a:pPr lvl="0" indent="0" marL="0">
-              <a:buNone/>
-            </a:pPr>
-            <a:r>
-              <a:rPr/>
-              <a:t>Read more</a:t>
-            </a:r>
-          </a:p>
-        </p:txBody>
-      </p:sp>
-      <p:sp>
-        <p:nvSpPr>
-          <p:cNvPr id="3" name="Content Placeholder 2"/>
-          <p:cNvSpPr>
-            <a:spLocks noGrp="1"/>
-          </p:cNvSpPr>
-          <p:nvPr>
-            <p:ph idx="1"/>
-          </p:nvPr>
-        </p:nvSpPr>
-        <p:spPr/>
-        <p:txBody>
-          <a:bodyPr/>
-          <a:lstStyle/>
-          <a:p>
-            <a:pPr lvl="0"/>
-            <a:r>
-              <a:rPr>
-                <a:hlinkClick r:id="rId2"/>
-              </a:rPr>
-              <a:t>FAIR principles</a:t>
-            </a:r>
-          </a:p>
-          <a:p>
-            <a:pPr lvl="0"/>
-            <a:r>
-              <a:rPr>
-                <a:hlinkClick r:id="rId3"/>
-              </a:rPr>
-              <a:t>EJPSoil soil data assimilation cookbook</a:t>
-            </a:r>
-          </a:p>
-          <a:p>
-            <a:pPr lvl="0"/>
-            <a:r>
-              <a:rPr>
-                <a:hlinkClick r:id="rId4"/>
-              </a:rPr>
-              <a:t>LSC Hubs data workshop</a:t>
-            </a:r>
-          </a:p>
-          <a:p>
-            <a:pPr lvl="0"/>
-            <a:r>
-              <a:rPr>
-                <a:hlinkClick r:id="rId5"/>
-              </a:rPr>
-              <a:t>pygeometa</a:t>
-            </a:r>
-          </a:p>
-          <a:p>
-            <a:pPr lvl="0"/>
-            <a:r>
-              <a:rPr>
-                <a:hlinkClick r:id="rId6"/>
-              </a:rPr>
-              <a:t>GeoDataCrawler</a:t>
+              <a:t>Field data collection (OpenDataKit)</a:t>
+            </a:r>
+          </a:p>
+          <a:p>
+            <a:pPr lvl="0"/>
+            <a:r>
+              <a:rPr/>
+              <a:t>Harmonize soil data (Hale, PostGres, Postgraphile, Apache Superset)</a:t>
+            </a:r>
+          </a:p>
+          <a:p>
+            <a:pPr lvl="0"/>
+            <a:r>
+              <a:rPr/>
+              <a:t>Predict soil property distribution (R, Terra, GDAL)</a:t>
+            </a:r>
+          </a:p>
+          <a:p>
+            <a:pPr lvl="0"/>
+            <a:r>
+              <a:rPr/>
+              <a:t>Cataloguing (pygeometa, pycsw, geonetwork)</a:t>
+            </a:r>
+          </a:p>
+          <a:p>
+            <a:pPr lvl="0"/>
+            <a:r>
+              <a:rPr/>
+              <a:t>Data API’s (Mapserver, FastAPI, Virtuoso)</a:t>
+            </a:r>
+          </a:p>
+          <a:p>
+            <a:pPr lvl="0"/>
+            <a:r>
+              <a:rPr/>
+              <a:t>Content management (Quarto, Drupal)</a:t>
+            </a:r>
+          </a:p>
+          <a:p>
+            <a:pPr lvl="0"/>
+            <a:r>
+              <a:rPr/>
+              <a:t>GIS viewers (QGIS, Leaflet, Deck.gl, TerriaJS)</a:t>
+            </a:r>
+          </a:p>
+          <a:p>
+            <a:pPr lvl="0"/>
+            <a:r>
+              <a:rPr/>
+              <a:t>DevOps (Kubernetes, Gitlab, Argo)</a:t>
             </a:r>
           </a:p>
         </p:txBody>
@@ -6614,7 +4409,51 @@
             </a:pPr>
             <a:r>
               <a:rPr/>
-              <a:t>Shift from open source developer to customer</a:t>
+              <a:t>OSGeo and Open GeoSpatial Consortium</a:t>
+            </a:r>
+          </a:p>
+        </p:txBody>
+      </p:sp>
+      <p:sp>
+        <p:nvSpPr>
+          <p:cNvPr id="3" name="Content Placeholder 2"/>
+          <p:cNvSpPr>
+            <a:spLocks noGrp="1"/>
+          </p:cNvSpPr>
+          <p:nvPr>
+            <p:ph idx="1"/>
+          </p:nvPr>
+        </p:nvSpPr>
+        <p:spPr/>
+        <p:txBody>
+          <a:bodyPr/>
+          <a:lstStyle/>
+          <a:p>
+            <a:pPr lvl="0"/>
+            <a:r>
+              <a:rPr/>
+              <a:t>The OGC community provides standards for data api’s &amp; data formats</a:t>
+            </a:r>
+          </a:p>
+          <a:p>
+            <a:pPr lvl="0"/>
+            <a:r>
+              <a:rPr/>
+              <a:t>As independent foundation we aim to be neutral to software vendors, offered by standardised api’s</a:t>
+            </a:r>
+          </a:p>
+          <a:p>
+            <a:pPr lvl="0"/>
+            <a:r>
+              <a:rPr/>
+              <a:t>OSGeo tools are commonly OGC compliant, many innovations at OGC are driven by open source software</a:t>
+            </a:r>
+          </a:p>
+          <a:p>
+            <a:pPr lvl="0"/>
+            <a:r>
+              <a:rPr/>
+              <a:t>Open formats enable future backwards compatibility for today’s datasets</a:t>
             </a:r>
           </a:p>
         </p:txBody>
@@ -6661,7 +4500,115 @@
             </a:pPr>
             <a:r>
               <a:rPr/>
-              <a:t>ISRIC and FAIR</a:t>
+              <a:t>Relevant OGC standards</a:t>
+            </a:r>
+          </a:p>
+        </p:txBody>
+      </p:sp>
+      <p:sp>
+        <p:nvSpPr>
+          <p:cNvPr id="3" name="Content Placeholder 2"/>
+          <p:cNvSpPr>
+            <a:spLocks noGrp="1"/>
+          </p:cNvSpPr>
+          <p:nvPr>
+            <p:ph idx="1"/>
+          </p:nvPr>
+        </p:nvSpPr>
+        <p:spPr/>
+        <p:txBody>
+          <a:bodyPr/>
+          <a:lstStyle/>
+          <a:p>
+            <a:pPr lvl="0"/>
+            <a:r>
+              <a:rPr/>
+              <a:t>Web Map Service, Web Coverage Service, Web Feature service, Catalogue service for the web</a:t>
+            </a:r>
+          </a:p>
+          <a:p>
+            <a:pPr lvl="0"/>
+            <a:r>
+              <a:rPr/>
+              <a:t>Sensor Observation Service (</a:t>
+            </a:r>
+            <a:r>
+              <a:rPr>
+                <a:hlinkClick r:id="rId2"/>
+              </a:rPr>
+              <a:t>INSPIRE Soil</a:t>
+            </a:r>
+            <a:r>
+              <a:rPr/>
+              <a:t> is based on </a:t>
+            </a:r>
+            <a:r>
+              <a:rPr>
+                <a:hlinkClick r:id="rId3"/>
+              </a:rPr>
+              <a:t>Observations&amp;Measurements</a:t>
+            </a:r>
+            <a:r>
+              <a:rPr/>
+              <a:t>)</a:t>
+            </a:r>
+          </a:p>
+          <a:p>
+            <a:pPr lvl="0"/>
+            <a:r>
+              <a:rPr/>
+              <a:t>GeoPackage (See </a:t>
+            </a:r>
+            <a:r>
+              <a:rPr>
+                <a:hlinkClick r:id="rId4"/>
+              </a:rPr>
+              <a:t>INSPIRE Good Practice on GeoPackage</a:t>
+            </a:r>
+            <a:r>
+              <a:rPr/>
+              <a:t>)</a:t>
+            </a:r>
+          </a:p>
+          <a:p>
+            <a:pPr lvl="0"/>
+            <a:r>
+              <a:rPr/>
+              <a:t>Styled Layer Descriptor (</a:t>
+            </a:r>
+            <a:r>
+              <a:rPr>
+                <a:hlinkClick r:id="rId5"/>
+              </a:rPr>
+              <a:t>SLD</a:t>
+            </a:r>
+            <a:r>
+              <a:rPr/>
+              <a:t>)</a:t>
+            </a:r>
+          </a:p>
+          <a:p>
+            <a:pPr lvl="0"/>
+            <a:r>
+              <a:rPr/>
+              <a:t>Cloud Optimised GeoTiff (</a:t>
+            </a:r>
+            <a:r>
+              <a:rPr>
+                <a:hlinkClick r:id="rId6"/>
+              </a:rPr>
+              <a:t>COG</a:t>
+            </a:r>
+            <a:r>
+              <a:rPr/>
+              <a:t>)</a:t>
+            </a:r>
+          </a:p>
+          <a:p>
+            <a:pPr lvl="0"/>
+            <a:r>
+              <a:rPr/>
+              <a:t>OGC API - Records</a:t>
             </a:r>
           </a:p>
         </p:txBody>
@@ -6708,7 +4655,7 @@
             </a:pPr>
             <a:r>
               <a:rPr/>
-              <a:t>Principles on Findability</a:t>
+              <a:t>OGC and FAIR</a:t>
             </a:r>
           </a:p>
         </p:txBody>
@@ -6731,42 +4678,48 @@
             <a:pPr lvl="0"/>
             <a:r>
               <a:rPr/>
-              <a:t>Metadata and data should be easy to find for both humans and computers.</a:t>
-            </a:r>
-          </a:p>
-          <a:p>
-            <a:pPr lvl="1"/>
-            <a:r>
-              <a:rPr/>
-              <a:t>human readable (html)</a:t>
-            </a:r>
-          </a:p>
-          <a:p>
-            <a:pPr lvl="1"/>
-            <a:r>
-              <a:rPr/>
-              <a:t>machine readible (xml/json/rdf using a standardised model)</a:t>
-            </a:r>
-          </a:p>
-          <a:p>
-            <a:pPr lvl="0"/>
-            <a:r>
-              <a:rPr/>
-              <a:t>Persistent identification</a:t>
-            </a:r>
-          </a:p>
-          <a:p>
-            <a:pPr lvl="1"/>
-            <a:r>
-              <a:rPr/>
-              <a:t>Use wise names and locations</a:t>
-            </a:r>
-          </a:p>
-          <a:p>
-            <a:pPr lvl="1"/>
-            <a:r>
-              <a:rPr/>
-              <a:t>Use an identification proxy (doi.org/handle.net)</a:t>
+              <a:t>FAIR principles (Findable Accessible Interoperable Reusable) are popular in academia (and beyond)</a:t>
+            </a:r>
+          </a:p>
+          <a:p>
+            <a:pPr lvl="0"/>
+            <a:r>
+              <a:rPr/>
+              <a:t>FAIR and OGC pursue slightly different goals, however OGC recently started a working group on </a:t>
+            </a:r>
+            <a:r>
+              <a:rPr>
+                <a:hlinkClick r:id="rId2"/>
+              </a:rPr>
+              <a:t>open science</a:t>
+            </a:r>
+          </a:p>
+          <a:p>
+            <a:pPr lvl="0"/>
+            <a:r>
+              <a:rPr/>
+              <a:t>Academia assumes a dataset as a stable set of records, preferably reviewed and identified with a persistant identifier (DOI)</a:t>
+            </a:r>
+          </a:p>
+          <a:p>
+            <a:pPr lvl="0"/>
+            <a:r>
+              <a:rPr/>
+              <a:t>OGC API’s facilitate extracting subsets of a dataset, datasets are usually not stable over time</a:t>
+            </a:r>
+          </a:p>
+          <a:p>
+            <a:pPr lvl="0"/>
+            <a:r>
+              <a:rPr/>
+              <a:t>Novel data formats allow subsetting via range requests, they may facilitate both uses (GeoParquet, COG)</a:t>
+            </a:r>
+          </a:p>
+          <a:p>
+            <a:pPr lvl="0"/>
+            <a:r>
+              <a:rPr/>
+              <a:t>Alignment of vocabularies is relevant for both communities, not many tooling available (SKOS)</a:t>
             </a:r>
           </a:p>
         </p:txBody>
@@ -6813,41 +4766,48 @@
             </a:pPr>
             <a:r>
               <a:rPr/>
-              <a:t>Human readable</a:t>
-            </a:r>
-          </a:p>
-        </p:txBody>
-      </p:sp>
-      <p:pic>
-        <p:nvPicPr>
-          <p:cNvPr descr="./img/dadesobertes.png" id="0" name="Picture 1"/>
-          <p:cNvPicPr>
-            <a:picLocks noGrp="1" noChangeAspect="1"/>
-          </p:cNvPicPr>
-          <p:nvPr/>
-        </p:nvPicPr>
-        <p:blipFill>
-          <a:blip r:embed="rId2"/>
-          <a:stretch>
-            <a:fillRect/>
-          </a:stretch>
-        </p:blipFill>
-        <p:spPr bwMode="auto">
-          <a:xfrm>
-            <a:off x="1943100" y="1193800"/>
-            <a:ext cx="5257800" cy="3390900"/>
-          </a:xfrm>
-          <a:prstGeom prst="rect">
-            <a:avLst/>
-          </a:prstGeom>
-          <a:noFill/>
-          <a:ln w="9525">
-            <a:noFill/>
-            <a:headEnd/>
-            <a:tailEnd/>
-          </a:ln>
-        </p:spPr>
-      </p:pic>
+              <a:t>Shift from OSGeo developer to OSGeo user</a:t>
+            </a:r>
+          </a:p>
+        </p:txBody>
+      </p:sp>
+      <p:sp>
+        <p:nvSpPr>
+          <p:cNvPr id="3" name="Content Placeholder 2"/>
+          <p:cNvSpPr>
+            <a:spLocks noGrp="1"/>
+          </p:cNvSpPr>
+          <p:nvPr>
+            <p:ph idx="1"/>
+          </p:nvPr>
+        </p:nvSpPr>
+        <p:spPr/>
+        <p:txBody>
+          <a:bodyPr/>
+          <a:lstStyle/>
+          <a:p>
+            <a:pPr lvl="0"/>
+            <a:r>
+              <a:rPr/>
+              <a:t>3yrs ago, I shifted from software development to ISRIC</a:t>
+            </a:r>
+          </a:p>
+          <a:p>
+            <a:pPr lvl="0"/>
+            <a:r>
+              <a:rPr/>
+              <a:t>Current tasks are data science, DevOps, software development</a:t>
+            </a:r>
+          </a:p>
+          <a:p>
+            <a:pPr lvl="0"/>
+            <a:r>
+              <a:rPr/>
+              <a:t>Some experiences around OSGeo software from a user perspective</a:t>
+            </a:r>
+          </a:p>
+        </p:txBody>
+      </p:sp>
     </p:spTree>
   </p:cSld>
 </p:sld>
@@ -6890,7 +4850,7 @@
             </a:pPr>
             <a:r>
               <a:rPr/>
-              <a:t>Machine readable</a:t>
+              <a:t>Mapserver</a:t>
             </a:r>
           </a:p>
         </p:txBody>
@@ -6910,403 +4870,38 @@
           <a:bodyPr/>
           <a:lstStyle/>
           <a:p>
-            <a:pPr lvl="0" indent="0">
-              <a:buNone/>
-            </a:pPr>
-            <a:r>
-              <a:rPr>
-                <a:solidFill>
-                  <a:srgbClr val="5E5E5E"/>
-                </a:solidFill>
-                <a:latin typeface="Courier"/>
-              </a:rPr>
-              <a:t>&lt;</a:t>
-            </a:r>
-            <a:r>
-              <a:rPr>
-                <a:solidFill>
-                  <a:srgbClr val="003B4F"/>
-                </a:solidFill>
-                <a:latin typeface="Courier"/>
-              </a:rPr>
-              <a:t>script type</a:t>
-            </a:r>
-            <a:r>
-              <a:rPr>
-                <a:solidFill>
-                  <a:srgbClr val="5E5E5E"/>
-                </a:solidFill>
-                <a:latin typeface="Courier"/>
-              </a:rPr>
-              <a:t>=</a:t>
-            </a:r>
-            <a:r>
-              <a:rPr>
-                <a:solidFill>
-                  <a:srgbClr val="20794D"/>
-                </a:solidFill>
-                <a:latin typeface="Courier"/>
-              </a:rPr>
-              <a:t>"application/ld+json"</a:t>
-            </a:r>
-            <a:r>
-              <a:rPr>
-                <a:solidFill>
-                  <a:srgbClr val="5E5E5E"/>
-                </a:solidFill>
-                <a:latin typeface="Courier"/>
-              </a:rPr>
-              <a:t>&gt;</a:t>
-            </a:r>
-            <a:r>
-              <a:rPr>
-                <a:solidFill>
-                  <a:srgbClr val="003B4F"/>
-                </a:solidFill>
-                <a:latin typeface="Courier"/>
-              </a:rPr>
-              <a:t>  </a:t>
-            </a:r>
-            <a:br/>
-            <a:r>
-              <a:rPr>
-                <a:solidFill>
-                  <a:srgbClr val="003B4F"/>
-                </a:solidFill>
-                <a:latin typeface="Courier"/>
-              </a:rPr>
-              <a:t>{</a:t>
-            </a:r>
-            <a:br/>
-            <a:r>
-              <a:rPr>
-                <a:solidFill>
-                  <a:srgbClr val="003B4F"/>
-                </a:solidFill>
-                <a:latin typeface="Courier"/>
-              </a:rPr>
-              <a:t>    </a:t>
-            </a:r>
-            <a:r>
-              <a:rPr>
-                <a:solidFill>
-                  <a:srgbClr val="20794D"/>
-                </a:solidFill>
-                <a:latin typeface="Courier"/>
-              </a:rPr>
-              <a:t>"@context"</a:t>
-            </a:r>
-            <a:r>
-              <a:rPr>
-                <a:solidFill>
-                  <a:srgbClr val="5E5E5E"/>
-                </a:solidFill>
-                <a:latin typeface="Courier"/>
-              </a:rPr>
-              <a:t>:</a:t>
-            </a:r>
-            <a:r>
-              <a:rPr>
-                <a:solidFill>
-                  <a:srgbClr val="003B4F"/>
-                </a:solidFill>
-                <a:latin typeface="Courier"/>
-              </a:rPr>
-              <a:t> </a:t>
-            </a:r>
-            <a:r>
-              <a:rPr>
-                <a:solidFill>
-                  <a:srgbClr val="20794D"/>
-                </a:solidFill>
-                <a:latin typeface="Courier"/>
-              </a:rPr>
-              <a:t>"http://schema.org"</a:t>
-            </a:r>
-            <a:r>
-              <a:rPr>
-                <a:solidFill>
-                  <a:srgbClr val="5E5E5E"/>
-                </a:solidFill>
-                <a:latin typeface="Courier"/>
-              </a:rPr>
-              <a:t>,</a:t>
-            </a:r>
-            <a:br/>
-            <a:r>
-              <a:rPr>
-                <a:solidFill>
-                  <a:srgbClr val="003B4F"/>
-                </a:solidFill>
-                <a:latin typeface="Courier"/>
-              </a:rPr>
-              <a:t>    </a:t>
-            </a:r>
-            <a:r>
-              <a:rPr>
-                <a:solidFill>
-                  <a:srgbClr val="20794D"/>
-                </a:solidFill>
-                <a:latin typeface="Courier"/>
-              </a:rPr>
-              <a:t>"@type"</a:t>
-            </a:r>
-            <a:r>
-              <a:rPr>
-                <a:solidFill>
-                  <a:srgbClr val="5E5E5E"/>
-                </a:solidFill>
-                <a:latin typeface="Courier"/>
-              </a:rPr>
-              <a:t>:</a:t>
-            </a:r>
-            <a:r>
-              <a:rPr>
-                <a:solidFill>
-                  <a:srgbClr val="003B4F"/>
-                </a:solidFill>
-                <a:latin typeface="Courier"/>
-              </a:rPr>
-              <a:t> </a:t>
-            </a:r>
-            <a:r>
-              <a:rPr>
-                <a:solidFill>
-                  <a:srgbClr val="20794D"/>
-                </a:solidFill>
-                <a:latin typeface="Courier"/>
-              </a:rPr>
-              <a:t>"Dataset"</a:t>
-            </a:r>
-            <a:r>
-              <a:rPr>
-                <a:solidFill>
-                  <a:srgbClr val="5E5E5E"/>
-                </a:solidFill>
-                <a:latin typeface="Courier"/>
-              </a:rPr>
-              <a:t>,</a:t>
-            </a:r>
-            <a:br/>
-            <a:r>
-              <a:rPr>
-                <a:solidFill>
-                  <a:srgbClr val="003B4F"/>
-                </a:solidFill>
-                <a:latin typeface="Courier"/>
-              </a:rPr>
-              <a:t>    </a:t>
-            </a:r>
-            <a:r>
-              <a:rPr>
-                <a:solidFill>
-                  <a:srgbClr val="20794D"/>
-                </a:solidFill>
-                <a:latin typeface="Courier"/>
-              </a:rPr>
-              <a:t>"name"</a:t>
-            </a:r>
-            <a:r>
-              <a:rPr>
-                <a:solidFill>
-                  <a:srgbClr val="5E5E5E"/>
-                </a:solidFill>
-                <a:latin typeface="Courier"/>
-              </a:rPr>
-              <a:t>:</a:t>
-            </a:r>
-            <a:r>
-              <a:rPr>
-                <a:solidFill>
-                  <a:srgbClr val="003B4F"/>
-                </a:solidFill>
-                <a:latin typeface="Courier"/>
-              </a:rPr>
-              <a:t> </a:t>
-            </a:r>
-            <a:r>
-              <a:rPr>
-                <a:solidFill>
-                  <a:srgbClr val="20794D"/>
-                </a:solidFill>
-                <a:latin typeface="Courier"/>
-              </a:rPr>
-              <a:t>"Classificació i qualificació del sòl de les edificacions del topogràfic 1.5.000"</a:t>
-            </a:r>
-            <a:r>
-              <a:rPr>
-                <a:solidFill>
-                  <a:srgbClr val="5E5E5E"/>
-                </a:solidFill>
-                <a:latin typeface="Courier"/>
-              </a:rPr>
-              <a:t>,</a:t>
-            </a:r>
-            <a:br/>
-            <a:r>
-              <a:rPr>
-                <a:solidFill>
-                  <a:srgbClr val="003B4F"/>
-                </a:solidFill>
-                <a:latin typeface="Courier"/>
-              </a:rPr>
-              <a:t>    </a:t>
-            </a:r>
-            <a:r>
-              <a:rPr>
-                <a:solidFill>
-                  <a:srgbClr val="20794D"/>
-                </a:solidFill>
-                <a:latin typeface="Courier"/>
-              </a:rPr>
-              <a:t>"description"</a:t>
-            </a:r>
-            <a:r>
-              <a:rPr>
-                <a:solidFill>
-                  <a:srgbClr val="5E5E5E"/>
-                </a:solidFill>
-                <a:latin typeface="Courier"/>
-              </a:rPr>
-              <a:t>:</a:t>
-            </a:r>
-            <a:r>
-              <a:rPr>
-                <a:solidFill>
-                  <a:srgbClr val="003B4F"/>
-                </a:solidFill>
-                <a:latin typeface="Courier"/>
-              </a:rPr>
-              <a:t> </a:t>
-            </a:r>
-            <a:r>
-              <a:rPr>
-                <a:solidFill>
-                  <a:srgbClr val="20794D"/>
-                </a:solidFill>
-                <a:latin typeface="Courier"/>
-              </a:rPr>
-              <a:t>"Edificacions del topogràfic 1.5.000 (polígons) elaborat per  l’Institut cartogràfic i geològic de Catalunya amb l’assignació de la classificació i qualificació del sòl del Mapa urbanístic de Catalunya versió v2022/07, i amb dades de superfície de l’edificació i del municipi i comarca on pertanyen."</a:t>
-            </a:r>
-            <a:r>
-              <a:rPr>
-                <a:solidFill>
-                  <a:srgbClr val="5E5E5E"/>
-                </a:solidFill>
-                <a:latin typeface="Courier"/>
-              </a:rPr>
-              <a:t>,</a:t>
-            </a:r>
-            <a:br/>
-            <a:r>
-              <a:rPr>
-                <a:solidFill>
-                  <a:srgbClr val="003B4F"/>
-                </a:solidFill>
-                <a:latin typeface="Courier"/>
-              </a:rPr>
-              <a:t>    </a:t>
-            </a:r>
-            <a:r>
-              <a:rPr>
-                <a:solidFill>
-                  <a:srgbClr val="20794D"/>
-                </a:solidFill>
-                <a:latin typeface="Courier"/>
-              </a:rPr>
-              <a:t>"keywords"</a:t>
-            </a:r>
-            <a:r>
-              <a:rPr>
-                <a:solidFill>
-                  <a:srgbClr val="5E5E5E"/>
-                </a:solidFill>
-                <a:latin typeface="Courier"/>
-              </a:rPr>
-              <a:t>:</a:t>
-            </a:r>
-            <a:r>
-              <a:rPr>
-                <a:solidFill>
-                  <a:srgbClr val="003B4F"/>
-                </a:solidFill>
-                <a:latin typeface="Courier"/>
-              </a:rPr>
-              <a:t> [</a:t>
-            </a:r>
-            <a:br/>
-            <a:r>
-              <a:rPr>
-                <a:solidFill>
-                  <a:srgbClr val="003B4F"/>
-                </a:solidFill>
-                <a:latin typeface="Courier"/>
-              </a:rPr>
-              <a:t>        </a:t>
-            </a:r>
-            <a:r>
-              <a:rPr>
-                <a:solidFill>
-                  <a:srgbClr val="20794D"/>
-                </a:solidFill>
-                <a:latin typeface="Courier"/>
-              </a:rPr>
-              <a:t>"urbanisme i infraestructures"</a:t>
-            </a:r>
-            <a:r>
-              <a:rPr>
-                <a:solidFill>
-                  <a:srgbClr val="5E5E5E"/>
-                </a:solidFill>
-                <a:latin typeface="Courier"/>
-              </a:rPr>
-              <a:t>,</a:t>
-            </a:r>
-            <a:r>
-              <a:rPr>
-                <a:solidFill>
-                  <a:srgbClr val="003B4F"/>
-                </a:solidFill>
-                <a:latin typeface="Courier"/>
-              </a:rPr>
-              <a:t> </a:t>
-            </a:r>
-            <a:r>
-              <a:rPr>
-                <a:solidFill>
-                  <a:srgbClr val="5E5E5E"/>
-                </a:solidFill>
-                <a:latin typeface="Courier"/>
-              </a:rPr>
-              <a:t>...</a:t>
-            </a:r>
-            <a:br/>
-            <a:r>
-              <a:rPr>
-                <a:solidFill>
-                  <a:srgbClr val="5E5E5E"/>
-                </a:solidFill>
-                <a:latin typeface="Courier"/>
-              </a:rPr>
-              <a:t>&lt;/</a:t>
-            </a:r>
-            <a:r>
-              <a:rPr>
-                <a:solidFill>
-                  <a:srgbClr val="003B4F"/>
-                </a:solidFill>
-                <a:latin typeface="Courier"/>
-              </a:rPr>
-              <a:t>script</a:t>
-            </a:r>
-            <a:r>
-              <a:rPr>
-                <a:solidFill>
-                  <a:srgbClr val="5E5E5E"/>
-                </a:solidFill>
-                <a:latin typeface="Courier"/>
-              </a:rPr>
-              <a:t>&gt;</a:t>
+            <a:pPr lvl="0"/>
+            <a:r>
+              <a:rPr/>
+              <a:t>We hire a consultant from the mapserver developer community for expert advice and development</a:t>
+            </a:r>
+          </a:p>
+          <a:p>
+            <a:pPr lvl="0"/>
+            <a:r>
+              <a:rPr/>
+              <a:t>Some minor bug fixes on our behalf</a:t>
+            </a:r>
+          </a:p>
+          <a:p>
+            <a:pPr lvl="0"/>
+            <a:r>
+              <a:rPr/>
+              <a:t>SLD support, you can now use a SLD file to configure the style of a layer</a:t>
+            </a:r>
+          </a:p>
+          <a:p>
+            <a:pPr lvl="0"/>
+            <a:r>
+              <a:rPr/>
+              <a:t>Currently working on Mapserver Homepage, presenting a list of the services available in a server</a:t>
+            </a:r>
+          </a:p>
+          <a:p>
+            <a:pPr lvl="0"/>
+            <a:r>
+              <a:rPr/>
+              <a:t>I’m not following the mailinglist as much as needed</a:t>
             </a:r>
           </a:p>
         </p:txBody>

--- a/slides/20250703-foss4gnl-opensource-at-isric.pptx
+++ b/slides/20250703-foss4gnl-opensource-at-isric.pptx
@@ -22,7 +22,6 @@
     <p:sldId id="270" r:id="rId16"/>
     <p:sldId id="271" r:id="rId17"/>
     <p:sldId id="272" r:id="rId18"/>
-    <p:sldId id="273" r:id="rId19"/>
   </p:sldIdLst>
   <p:sldSz cx="9144000" cy="5143500" type="screen16x9"/>
   <p:notesSz cx="6858000" cy="9144000"/>
@@ -3239,7 +3238,9 @@
               <a:buNone/>
             </a:pPr>
             <a:r>
-              <a:rPr/>
+              <a:rPr>
+                <a:hlinkClick r:id="rId2"/>
+              </a:rPr>
               <a:t>TerriaJS</a:t>
             </a:r>
           </a:p>
@@ -3277,7 +3278,7 @@
             <a:pPr lvl="0"/>
             <a:r>
               <a:rPr/>
-              <a:t>Especcially improvements around OGC interactions best be merged upstream</a:t>
+              <a:t>Especially improvements around OGC interactions best be merged upstream</a:t>
             </a:r>
           </a:p>
           <a:p>
@@ -3337,7 +3338,9 @@
               <a:buNone/>
             </a:pPr>
             <a:r>
-              <a:rPr/>
+              <a:rPr>
+                <a:hlinkClick r:id="rId2"/>
+              </a:rPr>
               <a:t>CKAN</a:t>
             </a:r>
           </a:p>
@@ -3361,14 +3364,14 @@
             <a:pPr lvl="0"/>
             <a:r>
               <a:rPr/>
-              <a:t>We asked university-support to deploy a default instance of CKAN (+SOLR), however it does then not include the spatial modules and tailored layout</a:t>
-            </a:r>
-          </a:p>
-          <a:p>
-            <a:pPr lvl="0"/>
-            <a:r>
-              <a:rPr/>
-              <a:t>We consulted a regional company knowledgable on CKAN implementations, they advised us to use the CKAN backend only and build a dedicated fromtend</a:t>
+              <a:t>University-support deployed a default instance of CKAN (+SOLR), however it appeared difficult to customise</a:t>
+            </a:r>
+          </a:p>
+          <a:p>
+            <a:pPr lvl="0"/>
+            <a:r>
+              <a:rPr/>
+              <a:t>We consulted a regional company knowledgable on CKAN implementations, they advised us to use the CKAN backend only and build a dedicated frontend</a:t>
             </a:r>
           </a:p>
           <a:p>
@@ -3428,7 +3431,9 @@
               <a:buNone/>
             </a:pPr>
             <a:r>
-              <a:rPr/>
+              <a:rPr>
+                <a:hlinkClick r:id="rId2"/>
+              </a:rPr>
               <a:t>pycsw</a:t>
             </a:r>
           </a:p>
@@ -3459,35 +3464,48 @@
             <a:pPr lvl="0"/>
             <a:r>
               <a:rPr/>
-              <a:t>Since OGC API’s pycsw has a (html) user interface</a:t>
-            </a:r>
-          </a:p>
-          <a:p>
-            <a:pPr lvl="0"/>
-            <a:r>
-              <a:rPr/>
-              <a:t>We feel it is a good fit for our use cases</a:t>
-            </a:r>
-          </a:p>
-          <a:p>
-            <a:pPr lvl="0"/>
-            <a:r>
-              <a:rPr/>
-              <a:t>Sometimes I get complaints that it is not as full featured as CKAN, but it’s hard to understand what’s actually missing</a:t>
-            </a:r>
-          </a:p>
-          <a:p>
-            <a:pPr lvl="0"/>
-            <a:r>
-              <a:rPr/>
-              <a:t>We recently landed Facet filters on OGC API Records and in pycsw</a:t>
-            </a:r>
-          </a:p>
-          <a:p>
-            <a:pPr lvl="0"/>
-            <a:r>
-              <a:rPr/>
-              <a:t>A group in norway is implementing a SOLR backend for pycsw</a:t>
+              <a:t>From introduction of </a:t>
+            </a:r>
+            <a:r>
+              <a:rPr>
+                <a:hlinkClick r:id="rId3"/>
+              </a:rPr>
+              <a:t>OGC API</a:t>
+            </a:r>
+            <a:r>
+              <a:rPr/>
+              <a:t>’s, pycsw now has a user interface</a:t>
+            </a:r>
+          </a:p>
+          <a:p>
+            <a:pPr lvl="0"/>
+            <a:r>
+              <a:rPr/>
+              <a:t>Sometimes I get complaints that it is not as full featured as CKAN, but it’s not easy to understand what’s actually missing</a:t>
+            </a:r>
+          </a:p>
+          <a:p>
+            <a:pPr lvl="0"/>
+            <a:r>
+              <a:rPr/>
+              <a:t>We contributed to adding facet filters on OGC API Records and in pycsw</a:t>
+            </a:r>
+          </a:p>
+          <a:p>
+            <a:pPr lvl="0"/>
+            <a:r>
+              <a:rPr/>
+              <a:t>A group in Norway is implementing a </a:t>
+            </a:r>
+            <a:r>
+              <a:rPr>
+                <a:hlinkClick r:id="rId4"/>
+              </a:rPr>
+              <a:t>SOLR</a:t>
+            </a:r>
+            <a:r>
+              <a:rPr/>
+              <a:t> backend for pycsw, SOLR will improve search experience on large catalogues</a:t>
             </a:r>
           </a:p>
         </p:txBody>
@@ -3670,7 +3688,7 @@
             <a:pPr lvl="0"/>
             <a:r>
               <a:rPr/>
-              <a:t>Unfortunate that it is a complex tool with many dependencies (redis, postgres)</a:t>
+              <a:t>Unfortunate that Superset is quite a complex tool with many dependencies (redis, postgres)</a:t>
             </a:r>
           </a:p>
         </p:txBody>
@@ -3750,7 +3768,7 @@
             <a:pPr lvl="0"/>
             <a:r>
               <a:rPr/>
-              <a:t>Hale is a relevant tool for working with rich UML data models, such as soil observation data</a:t>
+              <a:t>Hale is an ETL tool for rich UML data models, such as soil observation data</a:t>
             </a:r>
           </a:p>
           <a:p>
@@ -3764,14 +3782,24 @@
             <a:pPr lvl="0"/>
             <a:r>
               <a:rPr/>
-              <a:t>We hired the Wetransform team for a training and Q&amp;A on specific data (20hrs)</a:t>
-            </a:r>
-          </a:p>
-          <a:p>
-            <a:pPr lvl="0"/>
-            <a:r>
-              <a:rPr/>
-              <a:t>With the experts available, we were productive in 2 days, I wonder if I would have managed by myself, GML has its peculiarities</a:t>
+              <a:t>The </a:t>
+            </a:r>
+            <a:r>
+              <a:rPr>
+                <a:hlinkClick r:id="rId3"/>
+              </a:rPr>
+              <a:t>Wetransform team</a:t>
+            </a:r>
+            <a:r>
+              <a:rPr/>
+              <a:t> team supported us with a training and Q&amp;A</a:t>
+            </a:r>
+          </a:p>
+          <a:p>
+            <a:pPr lvl="0"/>
+            <a:r>
+              <a:rPr/>
+              <a:t>With the experts available, we were productive in 2 days. It was crucial, GML has its peculiarities</a:t>
             </a:r>
           </a:p>
           <a:p>
@@ -3824,71 +3852,73 @@
               <a:buNone/>
             </a:pPr>
             <a:r>
-              <a:rPr/>
-              <a:t>Quarto</a:t>
-            </a:r>
-          </a:p>
-        </p:txBody>
-      </p:sp>
-      <p:sp>
-        <p:nvSpPr>
-          <p:cNvPr id="3" name="Content Placeholder 2"/>
-          <p:cNvSpPr>
-            <a:spLocks noGrp="1"/>
-          </p:cNvSpPr>
-          <p:nvPr>
-            <p:ph idx="1"/>
-          </p:nvPr>
-        </p:nvSpPr>
-        <p:spPr/>
-        <p:txBody>
-          <a:bodyPr/>
-          <a:lstStyle/>
-          <a:p>
-            <a:pPr lvl="0"/>
-            <a:r>
-              <a:rPr/>
-              <a:t>Static Site Generators fit our approach very well, performant, stable, secure</a:t>
-            </a:r>
-          </a:p>
-          <a:p>
-            <a:pPr lvl="0"/>
-            <a:r>
-              <a:rPr/>
-              <a:t>Some colleagues have challenges with the markdown in gitlab (and prefer wordpress)</a:t>
-            </a:r>
-          </a:p>
-          <a:p>
-            <a:pPr lvl="0"/>
-            <a:r>
-              <a:rPr/>
-              <a:t>Intially we started with </a:t>
-            </a:r>
-            <a:r>
               <a:rPr>
                 <a:hlinkClick r:id="rId2"/>
               </a:rPr>
-              <a:t>hugo</a:t>
-            </a:r>
-          </a:p>
-          <a:p>
-            <a:pPr lvl="0"/>
+              <a:t>Quarto</a:t>
+            </a:r>
+          </a:p>
+        </p:txBody>
+      </p:sp>
+      <p:sp>
+        <p:nvSpPr>
+          <p:cNvPr id="3" name="Content Placeholder 2"/>
+          <p:cNvSpPr>
+            <a:spLocks noGrp="1"/>
+          </p:cNvSpPr>
+          <p:nvPr>
+            <p:ph idx="1"/>
+          </p:nvPr>
+        </p:nvSpPr>
+        <p:spPr/>
+        <p:txBody>
+          <a:bodyPr/>
+          <a:lstStyle/>
+          <a:p>
+            <a:pPr lvl="0"/>
+            <a:r>
+              <a:rPr/>
+              <a:t>Static Site Generators fit our approach very well, performant, stable, secure</a:t>
+            </a:r>
+          </a:p>
+          <a:p>
+            <a:pPr lvl="0"/>
+            <a:r>
+              <a:rPr/>
+              <a:t>Some colleagues have challenges with the markdown in gitlab (and prefer wordpress)</a:t>
+            </a:r>
+          </a:p>
+          <a:p>
+            <a:pPr lvl="0"/>
+            <a:r>
+              <a:rPr/>
+              <a:t>Intially we started with </a:t>
+            </a:r>
             <a:r>
               <a:rPr>
                 <a:hlinkClick r:id="rId3"/>
               </a:rPr>
+              <a:t>hugo</a:t>
+            </a:r>
+          </a:p>
+          <a:p>
+            <a:pPr lvl="0"/>
+            <a:r>
+              <a:rPr>
+                <a:hlinkClick r:id="rId4"/>
+              </a:rPr>
               <a:t>Quarto</a:t>
             </a:r>
             <a:r>
               <a:rPr/>
-              <a:t> was used by our data scientists for documentation, we aligned with them</a:t>
-            </a:r>
-          </a:p>
-          <a:p>
-            <a:pPr lvl="0"/>
-            <a:r>
-              <a:rPr/>
-              <a:t>I do appreciate Quarto now, it is less flexible, but full featured, it generated these slides</a:t>
+              <a:t> was used by our data scientists for documentation</a:t>
+            </a:r>
+          </a:p>
+          <a:p>
+            <a:pPr lvl="0"/>
+            <a:r>
+              <a:rPr/>
+              <a:t>Quarto is less flexible, full featured, it generated these slides</a:t>
             </a:r>
           </a:p>
         </p:txBody>
@@ -3935,41 +3965,19 @@
             </a:pPr>
             <a:r>
               <a:rPr/>
-              <a:t>Conclusions</a:t>
-            </a:r>
-          </a:p>
-        </p:txBody>
-      </p:sp>
-    </p:spTree>
-  </p:cSld>
-</p:sld>
-</file>
-
-<file path=ppt/slides/slide18.xml><?xml version="1.0" encoding="utf-8"?>
-<p:sld xmlns:a="http://schemas.openxmlformats.org/drawingml/2006/main" xmlns:r="http://schemas.openxmlformats.org/officeDocument/2006/relationships" xmlns:p="http://schemas.openxmlformats.org/presentationml/2006/main">
-  <p:cSld>
-    <p:spTree>
-      <p:nvGrpSpPr>
-        <p:cNvPr id="1" name=""/>
-        <p:cNvGrpSpPr/>
-        <p:nvPr/>
-      </p:nvGrpSpPr>
-      <p:grpSpPr>
-        <a:xfrm>
-          <a:off x="0" y="0"/>
-          <a:ext cx="0" cy="0"/>
-          <a:chOff x="0" y="0"/>
-          <a:chExt cx="0" cy="0"/>
-        </a:xfrm>
-      </p:grpSpPr>
-      <p:sp>
-        <p:nvSpPr>
-          <p:cNvPr id="2" name="Title 1"/>
-          <p:cNvSpPr>
-            <a:spLocks noGrp="1"/>
-          </p:cNvSpPr>
-          <p:nvPr>
-            <p:ph type="title"/>
+              <a:t>Questions / Comments</a:t>
+            </a:r>
+          </a:p>
+        </p:txBody>
+      </p:sp>
+      <p:sp>
+        <p:nvSpPr>
+          <p:cNvPr id="3" name="Content Placeholder 2"/>
+          <p:cNvSpPr>
+            <a:spLocks noGrp="1"/>
+          </p:cNvSpPr>
+          <p:nvPr>
+            <p:ph idx="1"/>
           </p:nvPr>
         </p:nvSpPr>
         <p:spPr/>
@@ -3982,7 +3990,7 @@
             </a:pPr>
             <a:r>
               <a:rPr/>
-              <a:t>Questions / Comments</a:t>
+              <a:t>Follow the links in the slides for more details…</a:t>
             </a:r>
           </a:p>
         </p:txBody>
@@ -4320,7 +4328,7 @@
             <a:pPr lvl="0"/>
             <a:r>
               <a:rPr/>
-              <a:t>Harmonize soil data (Hale, PostGres, Postgraphile, Apache Superset)</a:t>
+              <a:t>Harmonize soil data (Hale, PostGres)</a:t>
             </a:r>
           </a:p>
           <a:p>
@@ -4355,14 +4363,7 @@
             <a:pPr lvl="0"/>
             <a:r>
               <a:rPr/>
-              <a:t>GIS viewers (QGIS, Leaflet, Deck.gl, TerriaJS)</a:t>
-            </a:r>
-          </a:p>
-          <a:p>
-            <a:pPr lvl="0"/>
-            <a:r>
-              <a:rPr/>
-              <a:t>DevOps (Kubernetes, Gitlab, Argo)</a:t>
+              <a:t>GIS viewers (QGIS, Leaflet, TerriaJS)</a:t>
             </a:r>
           </a:p>
         </p:txBody>
@@ -4608,7 +4609,7 @@
             <a:pPr lvl="0"/>
             <a:r>
               <a:rPr/>
-              <a:t>OGC API - Records</a:t>
+              <a:t>OGC API - Records / STAC</a:t>
             </a:r>
           </a:p>
         </p:txBody>
@@ -4677,20 +4678,26 @@
           <a:p>
             <a:pPr lvl="0"/>
             <a:r>
-              <a:rPr/>
-              <a:t>FAIR principles (Findable Accessible Interoperable Reusable) are popular in academia (and beyond)</a:t>
-            </a:r>
-          </a:p>
-          <a:p>
-            <a:pPr lvl="0"/>
-            <a:r>
-              <a:rPr/>
-              <a:t>FAIR and OGC pursue slightly different goals, however OGC recently started a working group on </a:t>
-            </a:r>
-            <a:r>
               <a:rPr>
                 <a:hlinkClick r:id="rId2"/>
               </a:rPr>
+              <a:t>FAIR principles</a:t>
+            </a:r>
+            <a:r>
+              <a:rPr/>
+              <a:t> are popular in academia (and beyond)</a:t>
+            </a:r>
+          </a:p>
+          <a:p>
+            <a:pPr lvl="0"/>
+            <a:r>
+              <a:rPr/>
+              <a:t>FAIR and OGC pursue slightly different goals, however OGC recently started a working group on </a:t>
+            </a:r>
+            <a:r>
+              <a:rPr>
+                <a:hlinkClick r:id="rId3"/>
+              </a:rPr>
               <a:t>open science</a:t>
             </a:r>
           </a:p>
@@ -4698,14 +4705,7 @@
             <a:pPr lvl="0"/>
             <a:r>
               <a:rPr/>
-              <a:t>Academia assumes a dataset as a stable set of records, preferably reviewed and identified with a persistant identifier (DOI)</a:t>
-            </a:r>
-          </a:p>
-          <a:p>
-            <a:pPr lvl="0"/>
-            <a:r>
-              <a:rPr/>
-              <a:t>OGC API’s facilitate extracting subsets of a dataset, datasets are usually not stable over time</a:t>
+              <a:t>Academia assumes a dataset as a stable set of records, identified with a persistant identifier (DOI)</a:t>
             </a:r>
           </a:p>
           <a:p>
@@ -4766,7 +4766,7 @@
             </a:pPr>
             <a:r>
               <a:rPr/>
-              <a:t>Shift from OSGeo developer to OSGeo user</a:t>
+              <a:t>About me; a Shift from OSGeo developer to OSGeo user</a:t>
             </a:r>
           </a:p>
         </p:txBody>
@@ -4789,21 +4789,21 @@
             <a:pPr lvl="0"/>
             <a:r>
               <a:rPr/>
-              <a:t>3yrs ago, I shifted from software development to ISRIC</a:t>
-            </a:r>
-          </a:p>
-          <a:p>
-            <a:pPr lvl="0"/>
-            <a:r>
-              <a:rPr/>
-              <a:t>Current tasks are data science, DevOps, software development</a:t>
-            </a:r>
-          </a:p>
-          <a:p>
-            <a:pPr lvl="0"/>
-            <a:r>
-              <a:rPr/>
-              <a:t>Some experiences around OSGeo software from a user perspective</a:t>
+              <a:t>3yrs ago, I shifted from software developer to software user</a:t>
+            </a:r>
+          </a:p>
+          <a:p>
+            <a:pPr lvl="0"/>
+            <a:r>
+              <a:rPr/>
+              <a:t>Current tasks are Data science, DevOps</a:t>
+            </a:r>
+          </a:p>
+          <a:p>
+            <a:pPr lvl="0"/>
+            <a:r>
+              <a:rPr/>
+              <a:t>Next slides present some experiences around OSGeo software from a user perspective</a:t>
             </a:r>
           </a:p>
         </p:txBody>
@@ -4849,7 +4849,9 @@
               <a:buNone/>
             </a:pPr>
             <a:r>
-              <a:rPr/>
+              <a:rPr>
+                <a:hlinkClick r:id="rId2"/>
+              </a:rPr>
               <a:t>Mapserver</a:t>
             </a:r>
           </a:p>
@@ -4873,28 +4875,37 @@
             <a:pPr lvl="0"/>
             <a:r>
               <a:rPr/>
-              <a:t>We hire a consultant from the mapserver developer community for expert advice and development</a:t>
-            </a:r>
-          </a:p>
-          <a:p>
-            <a:pPr lvl="0"/>
-            <a:r>
-              <a:rPr/>
-              <a:t>Some minor bug fixes on our behalf</a:t>
-            </a:r>
-          </a:p>
-          <a:p>
-            <a:pPr lvl="0"/>
-            <a:r>
-              <a:rPr/>
-              <a:t>SLD support, you can now use a SLD file to configure the style of a layer</a:t>
-            </a:r>
-          </a:p>
-          <a:p>
-            <a:pPr lvl="0"/>
-            <a:r>
-              <a:rPr/>
-              <a:t>Currently working on Mapserver Homepage, presenting a list of the services available in a server</a:t>
+              <a:t>We work with a consultant from the mapserver developer community for expert advice and development</a:t>
+            </a:r>
+          </a:p>
+          <a:p>
+            <a:pPr lvl="0"/>
+            <a:r>
+              <a:rPr/>
+              <a:t>SLD support, you can now use a SLD file (from QGIS) to </a:t>
+            </a:r>
+            <a:r>
+              <a:rPr>
+                <a:hlinkClick r:id="rId3"/>
+              </a:rPr>
+              <a:t>configure the style of a layer</a:t>
+            </a:r>
+          </a:p>
+          <a:p>
+            <a:pPr lvl="0"/>
+            <a:r>
+              <a:rPr/>
+              <a:t>Currently working on </a:t>
+            </a:r>
+            <a:r>
+              <a:rPr>
+                <a:hlinkClick r:id="rId4"/>
+              </a:rPr>
+              <a:t>Mapserver Homepage</a:t>
+            </a:r>
+            <a:r>
+              <a:rPr/>
+              <a:t>, presenting a list of the services available in a server</a:t>
             </a:r>
           </a:p>
           <a:p>

--- a/slides/20250703-foss4gnl-opensource-at-isric.pptx
+++ b/slides/20250703-foss4gnl-opensource-at-isric.pptx
@@ -22,6 +22,7 @@
     <p:sldId id="270" r:id="rId16"/>
     <p:sldId id="271" r:id="rId17"/>
     <p:sldId id="272" r:id="rId18"/>
+    <p:sldId id="273" r:id="rId19"/>
   </p:sldIdLst>
   <p:sldSz cx="9144000" cy="5143500" type="screen16x9"/>
   <p:notesSz cx="6858000" cy="9144000"/>
@@ -3241,7 +3242,7 @@
               <a:rPr>
                 <a:hlinkClick r:id="rId2"/>
               </a:rPr>
-              <a:t>TerriaJS</a:t>
+              <a:t>Mapserver</a:t>
             </a:r>
           </a:p>
         </p:txBody>
@@ -3264,35 +3265,44 @@
             <a:pPr lvl="0"/>
             <a:r>
               <a:rPr/>
-              <a:t>We use TerriaJS in 5-10 websites. Mostly to share our data products to potential users and stakeholders.</a:t>
-            </a:r>
-          </a:p>
-          <a:p>
-            <a:pPr lvl="0"/>
-            <a:r>
-              <a:rPr/>
-              <a:t>Any frontend application typically has many potential improvements</a:t>
-            </a:r>
-          </a:p>
-          <a:p>
-            <a:pPr lvl="0"/>
-            <a:r>
-              <a:rPr/>
-              <a:t>Especially improvements around OGC interactions best be merged upstream</a:t>
-            </a:r>
-          </a:p>
-          <a:p>
-            <a:pPr lvl="0"/>
-            <a:r>
-              <a:rPr/>
-              <a:t>The TerriaJS community is not very aware of OGC standards, so it requires quite communication to land a Pull Request</a:t>
-            </a:r>
-          </a:p>
-          <a:p>
-            <a:pPr lvl="0"/>
-            <a:r>
-              <a:rPr/>
-              <a:t>We work with a frontend developer not related to the project, because it was difficult to reach out to direct contributors</a:t>
+              <a:t>We work with a consultant from the mapserver developer community for expert advice and development</a:t>
+            </a:r>
+          </a:p>
+          <a:p>
+            <a:pPr lvl="0"/>
+            <a:r>
+              <a:rPr/>
+              <a:t>SLD support, you can now use a SLD file (from QGIS) to </a:t>
+            </a:r>
+            <a:r>
+              <a:rPr>
+                <a:hlinkClick r:id="rId3"/>
+              </a:rPr>
+              <a:t>configure the style of a layer</a:t>
+            </a:r>
+          </a:p>
+          <a:p>
+            <a:pPr lvl="0"/>
+            <a:r>
+              <a:rPr/>
+              <a:t>Currently working on </a:t>
+            </a:r>
+            <a:r>
+              <a:rPr>
+                <a:hlinkClick r:id="rId4"/>
+              </a:rPr>
+              <a:t>Mapserver Homepage</a:t>
+            </a:r>
+            <a:r>
+              <a:rPr/>
+              <a:t>, presenting a list of the services available in a server</a:t>
+            </a:r>
+          </a:p>
+          <a:p>
+            <a:pPr lvl="0"/>
+            <a:r>
+              <a:rPr/>
+              <a:t>I’m not following the mailinglist as much as needed</a:t>
             </a:r>
           </a:p>
         </p:txBody>
@@ -3341,7 +3351,7 @@
               <a:rPr>
                 <a:hlinkClick r:id="rId2"/>
               </a:rPr>
-              <a:t>CKAN</a:t>
+              <a:t>TerriaJS</a:t>
             </a:r>
           </a:p>
         </p:txBody>
@@ -3364,28 +3374,35 @@
             <a:pPr lvl="0"/>
             <a:r>
               <a:rPr/>
-              <a:t>University-support deployed a default instance of CKAN (+SOLR), however it appeared difficult to customise</a:t>
-            </a:r>
-          </a:p>
-          <a:p>
-            <a:pPr lvl="0"/>
-            <a:r>
-              <a:rPr/>
-              <a:t>We consulted a regional company knowledgable on CKAN implementations, they advised us to use the CKAN backend only and build a dedicated frontend</a:t>
-            </a:r>
-          </a:p>
-          <a:p>
-            <a:pPr lvl="0"/>
-            <a:r>
-              <a:rPr/>
-              <a:t>The spatial modules of CKAN seem not maintained</a:t>
-            </a:r>
-          </a:p>
-          <a:p>
-            <a:pPr lvl="0"/>
-            <a:r>
-              <a:rPr/>
-              <a:t>We decided not to continue with CKAN for now</a:t>
+              <a:t>We use TerriaJS in 5-10 websites. Mostly to share our data products to potential users and stakeholders.</a:t>
+            </a:r>
+          </a:p>
+          <a:p>
+            <a:pPr lvl="0"/>
+            <a:r>
+              <a:rPr/>
+              <a:t>Any frontend application typically has many potential improvements</a:t>
+            </a:r>
+          </a:p>
+          <a:p>
+            <a:pPr lvl="0"/>
+            <a:r>
+              <a:rPr/>
+              <a:t>Especially improvements around OGC interactions best be merged upstream</a:t>
+            </a:r>
+          </a:p>
+          <a:p>
+            <a:pPr lvl="0"/>
+            <a:r>
+              <a:rPr/>
+              <a:t>The TerriaJS community is not very aware of OGC standards, so it requires quite communication to land a Pull Request</a:t>
+            </a:r>
+          </a:p>
+          <a:p>
+            <a:pPr lvl="0"/>
+            <a:r>
+              <a:rPr/>
+              <a:t>We work with a frontend developer not related to the project, because it was difficult to reach out to direct contributors</a:t>
             </a:r>
           </a:p>
         </p:txBody>
@@ -3434,7 +3451,7 @@
               <a:rPr>
                 <a:hlinkClick r:id="rId2"/>
               </a:rPr>
-              <a:t>pycsw</a:t>
+              <a:t>CKAN</a:t>
             </a:r>
           </a:p>
         </p:txBody>
@@ -3457,55 +3474,28 @@
             <a:pPr lvl="0"/>
             <a:r>
               <a:rPr/>
-              <a:t>A minimalistic catalogue implementation, but very focussed on OGC standards support</a:t>
-            </a:r>
-          </a:p>
-          <a:p>
-            <a:pPr lvl="0"/>
-            <a:r>
-              <a:rPr/>
-              <a:t>From introduction of </a:t>
-            </a:r>
-            <a:r>
-              <a:rPr>
-                <a:hlinkClick r:id="rId3"/>
-              </a:rPr>
-              <a:t>OGC API</a:t>
-            </a:r>
-            <a:r>
-              <a:rPr/>
-              <a:t>’s, pycsw now has a user interface</a:t>
-            </a:r>
-          </a:p>
-          <a:p>
-            <a:pPr lvl="0"/>
-            <a:r>
-              <a:rPr/>
-              <a:t>Sometimes I get complaints that it is not as full featured as CKAN, but it’s not easy to understand what’s actually missing</a:t>
-            </a:r>
-          </a:p>
-          <a:p>
-            <a:pPr lvl="0"/>
-            <a:r>
-              <a:rPr/>
-              <a:t>We contributed to adding facet filters on OGC API Records and in pycsw</a:t>
-            </a:r>
-          </a:p>
-          <a:p>
-            <a:pPr lvl="0"/>
-            <a:r>
-              <a:rPr/>
-              <a:t>A group in Norway is implementing a </a:t>
-            </a:r>
-            <a:r>
-              <a:rPr>
-                <a:hlinkClick r:id="rId4"/>
-              </a:rPr>
-              <a:t>SOLR</a:t>
-            </a:r>
-            <a:r>
-              <a:rPr/>
-              <a:t> backend for pycsw, SOLR will improve search experience on large catalogues</a:t>
+              <a:t>University-support deployed a default instance of CKAN (+SOLR), however it appeared difficult to customise</a:t>
+            </a:r>
+          </a:p>
+          <a:p>
+            <a:pPr lvl="0"/>
+            <a:r>
+              <a:rPr/>
+              <a:t>We consulted a regional company knowledgable on CKAN implementations, they advised us to use the CKAN backend only and build a dedicated frontend</a:t>
+            </a:r>
+          </a:p>
+          <a:p>
+            <a:pPr lvl="0"/>
+            <a:r>
+              <a:rPr/>
+              <a:t>The spatial modules of CKAN seem not maintained</a:t>
+            </a:r>
+          </a:p>
+          <a:p>
+            <a:pPr lvl="0"/>
+            <a:r>
+              <a:rPr/>
+              <a:t>We decided not to continue with CKAN for now</a:t>
             </a:r>
           </a:p>
         </p:txBody>
@@ -3551,8 +3541,10 @@
               <a:buNone/>
             </a:pPr>
             <a:r>
-              <a:rPr/>
-              <a:t>Cloud Optimised Geotiff / GDAL</a:t>
+              <a:rPr>
+                <a:hlinkClick r:id="rId2"/>
+              </a:rPr>
+              <a:t>pycsw</a:t>
             </a:r>
           </a:p>
         </p:txBody>
@@ -3575,35 +3567,55 @@
             <a:pPr lvl="0"/>
             <a:r>
               <a:rPr/>
-              <a:t>Tiff is an important format for us, we have 100’s of GB of tiff data</a:t>
-            </a:r>
-          </a:p>
-          <a:p>
-            <a:pPr lvl="0"/>
-            <a:r>
-              <a:rPr/>
-              <a:t>Previously we would use tiff image pyramids to store global data, now switching to COG</a:t>
-            </a:r>
-          </a:p>
-          <a:p>
-            <a:pPr lvl="0"/>
-            <a:r>
-              <a:rPr/>
-              <a:t>Mapserver with a COG backend is many times faster then a plain tiff backend</a:t>
-            </a:r>
-          </a:p>
-          <a:p>
-            <a:pPr lvl="0"/>
-            <a:r>
-              <a:rPr/>
-              <a:t>Direct access from web to COG is not feasible yet, because our tiff data does not use a mercator projection, many repositories do not allow CORS</a:t>
-            </a:r>
-          </a:p>
-          <a:p>
-            <a:pPr lvl="0"/>
-            <a:r>
-              <a:rPr/>
-              <a:t>We’re open to suggestions…</a:t>
+              <a:t>A minimalistic catalogue implementation, but very focussed on OGC standards support</a:t>
+            </a:r>
+          </a:p>
+          <a:p>
+            <a:pPr lvl="0"/>
+            <a:r>
+              <a:rPr/>
+              <a:t>From introduction of </a:t>
+            </a:r>
+            <a:r>
+              <a:rPr>
+                <a:hlinkClick r:id="rId3"/>
+              </a:rPr>
+              <a:t>OGC API</a:t>
+            </a:r>
+            <a:r>
+              <a:rPr/>
+              <a:t>’s, pycsw now has a user interface</a:t>
+            </a:r>
+          </a:p>
+          <a:p>
+            <a:pPr lvl="0"/>
+            <a:r>
+              <a:rPr/>
+              <a:t>Sometimes I get complaints that it is not as full featured as CKAN, but it’s not easy to understand what’s actually missing</a:t>
+            </a:r>
+          </a:p>
+          <a:p>
+            <a:pPr lvl="0"/>
+            <a:r>
+              <a:rPr/>
+              <a:t>We contributed to adding facet filters on OGC API Records and in pycsw</a:t>
+            </a:r>
+          </a:p>
+          <a:p>
+            <a:pPr lvl="0"/>
+            <a:r>
+              <a:rPr/>
+              <a:t>A group in Norway is implementing a </a:t>
+            </a:r>
+            <a:r>
+              <a:rPr>
+                <a:hlinkClick r:id="rId4"/>
+              </a:rPr>
+              <a:t>SOLR</a:t>
+            </a:r>
+            <a:r>
+              <a:rPr/>
+              <a:t> backend for pycsw, SOLR will improve search experience on large catalogues</a:t>
             </a:r>
           </a:p>
         </p:txBody>
@@ -3649,10 +3661,8 @@
               <a:buNone/>
             </a:pPr>
             <a:r>
-              <a:rPr>
-                <a:hlinkClick r:id="rId2"/>
-              </a:rPr>
-              <a:t>Apache Superset</a:t>
+              <a:rPr/>
+              <a:t>Cloud Optimised Geotiff / GDAL</a:t>
             </a:r>
           </a:p>
         </p:txBody>
@@ -3675,20 +3685,35 @@
             <a:pPr lvl="0"/>
             <a:r>
               <a:rPr/>
-              <a:t>I really enjoy creating </a:t>
-            </a:r>
-            <a:r>
-              <a:rPr>
-                <a:hlinkClick r:id="rId3"/>
-              </a:rPr>
-              <a:t>diagrams of arbitrary data</a:t>
-            </a:r>
-          </a:p>
-          <a:p>
-            <a:pPr lvl="0"/>
-            <a:r>
-              <a:rPr/>
-              <a:t>Unfortunate that Superset is quite a complex tool with many dependencies (redis, postgres)</a:t>
+              <a:t>Tiff is an important format for us, we have 100’s of GB of tiff data</a:t>
+            </a:r>
+          </a:p>
+          <a:p>
+            <a:pPr lvl="0"/>
+            <a:r>
+              <a:rPr/>
+              <a:t>Previously we would use tiff image pyramids to store global data, now switching to COG</a:t>
+            </a:r>
+          </a:p>
+          <a:p>
+            <a:pPr lvl="0"/>
+            <a:r>
+              <a:rPr/>
+              <a:t>Mapserver with a COG backend is many times faster then a plain tiff backend</a:t>
+            </a:r>
+          </a:p>
+          <a:p>
+            <a:pPr lvl="0"/>
+            <a:r>
+              <a:rPr/>
+              <a:t>Direct access from web to COG is not feasible yet, because our tiff data does not use a mercator projection, many repositories do not allow CORS</a:t>
+            </a:r>
+          </a:p>
+          <a:p>
+            <a:pPr lvl="0"/>
+            <a:r>
+              <a:rPr/>
+              <a:t>We’re open to suggestions…</a:t>
             </a:r>
           </a:p>
         </p:txBody>
@@ -3734,18 +3759,10 @@
               <a:buNone/>
             </a:pPr>
             <a:r>
-              <a:rPr/>
-              <a:t>Humboldt Alignment Editor (</a:t>
-            </a:r>
-            <a:r>
               <a:rPr>
                 <a:hlinkClick r:id="rId2"/>
               </a:rPr>
-              <a:t>HALE</a:t>
-            </a:r>
-            <a:r>
-              <a:rPr/>
-              <a:t>)</a:t>
+              <a:t>Apache Superset</a:t>
             </a:r>
           </a:p>
         </p:txBody>
@@ -3768,45 +3785,20 @@
             <a:pPr lvl="0"/>
             <a:r>
               <a:rPr/>
-              <a:t>Hale is an ETL tool for rich UML data models, such as soil observation data</a:t>
-            </a:r>
-          </a:p>
-          <a:p>
-            <a:pPr lvl="0"/>
-            <a:r>
-              <a:rPr/>
-              <a:t>Developers tend to focus on exporting postgres data to INSPIRE GML, but our use case is often vice versa</a:t>
-            </a:r>
-          </a:p>
-          <a:p>
-            <a:pPr lvl="0"/>
-            <a:r>
-              <a:rPr/>
-              <a:t>The </a:t>
+              <a:t>I really enjoy creating </a:t>
             </a:r>
             <a:r>
               <a:rPr>
                 <a:hlinkClick r:id="rId3"/>
               </a:rPr>
-              <a:t>Wetransform team</a:t>
-            </a:r>
-            <a:r>
-              <a:rPr/>
-              <a:t> team supported us with a training and Q&amp;A</a:t>
-            </a:r>
-          </a:p>
-          <a:p>
-            <a:pPr lvl="0"/>
-            <a:r>
-              <a:rPr/>
-              <a:t>With the experts available, we were productive in 2 days. It was crucial, GML has its peculiarities</a:t>
-            </a:r>
-          </a:p>
-          <a:p>
-            <a:pPr lvl="0"/>
-            <a:r>
-              <a:rPr/>
-              <a:t>I notice our data scientists prefer data migration through R/Python scripts. However I see value in a visual Hale approach.</a:t>
+              <a:t>diagrams of arbitrary data</a:t>
+            </a:r>
+          </a:p>
+          <a:p>
+            <a:pPr lvl="0"/>
+            <a:r>
+              <a:rPr/>
+              <a:t>Unfortunate that Superset is quite a complex tool with many dependencies (redis, postgres)</a:t>
             </a:r>
           </a:p>
         </p:txBody>
@@ -3852,10 +3844,18 @@
               <a:buNone/>
             </a:pPr>
             <a:r>
+              <a:rPr/>
+              <a:t>Humboldt Alignment Editor (</a:t>
+            </a:r>
+            <a:r>
               <a:rPr>
                 <a:hlinkClick r:id="rId2"/>
               </a:rPr>
-              <a:t>Quarto</a:t>
+              <a:t>HALE</a:t>
+            </a:r>
+            <a:r>
+              <a:rPr/>
+              <a:t>)</a:t>
             </a:r>
           </a:p>
         </p:txBody>
@@ -3878,47 +3878,45 @@
             <a:pPr lvl="0"/>
             <a:r>
               <a:rPr/>
-              <a:t>Static Site Generators fit our approach very well, performant, stable, secure</a:t>
-            </a:r>
-          </a:p>
-          <a:p>
-            <a:pPr lvl="0"/>
-            <a:r>
-              <a:rPr/>
-              <a:t>Some colleagues have challenges with the markdown in gitlab (and prefer wordpress)</a:t>
-            </a:r>
-          </a:p>
-          <a:p>
-            <a:pPr lvl="0"/>
-            <a:r>
-              <a:rPr/>
-              <a:t>Intially we started with </a:t>
+              <a:t>Hale is an ETL tool for rich UML data models, such as soil observation data</a:t>
+            </a:r>
+          </a:p>
+          <a:p>
+            <a:pPr lvl="0"/>
+            <a:r>
+              <a:rPr/>
+              <a:t>Developers tend to focus on exporting postgres data to INSPIRE GML, but our use case is often vice versa</a:t>
+            </a:r>
+          </a:p>
+          <a:p>
+            <a:pPr lvl="0"/>
+            <a:r>
+              <a:rPr/>
+              <a:t>The </a:t>
             </a:r>
             <a:r>
               <a:rPr>
                 <a:hlinkClick r:id="rId3"/>
               </a:rPr>
-              <a:t>hugo</a:t>
-            </a:r>
-          </a:p>
-          <a:p>
-            <a:pPr lvl="0"/>
-            <a:r>
-              <a:rPr>
-                <a:hlinkClick r:id="rId4"/>
-              </a:rPr>
-              <a:t>Quarto</a:t>
-            </a:r>
-            <a:r>
-              <a:rPr/>
-              <a:t> was used by our data scientists for documentation</a:t>
-            </a:r>
-          </a:p>
-          <a:p>
-            <a:pPr lvl="0"/>
-            <a:r>
-              <a:rPr/>
-              <a:t>Quarto is less flexible, full featured, it generated these slides</a:t>
+              <a:t>Wetransform team</a:t>
+            </a:r>
+            <a:r>
+              <a:rPr/>
+              <a:t> team supported us with a training and Q&amp;A</a:t>
+            </a:r>
+          </a:p>
+          <a:p>
+            <a:pPr lvl="0"/>
+            <a:r>
+              <a:rPr/>
+              <a:t>With the experts available, we were productive in 2 days. It was crucial, GML has its peculiarities</a:t>
+            </a:r>
+          </a:p>
+          <a:p>
+            <a:pPr lvl="0"/>
+            <a:r>
+              <a:rPr/>
+              <a:t>I notice our data scientists prefer data migration through R/Python scripts. However I see value in a visual Hale approach.</a:t>
             </a:r>
           </a:p>
         </p:txBody>
@@ -3929,6 +3927,118 @@
 </file>
 
 <file path=ppt/slides/slide17.xml><?xml version="1.0" encoding="utf-8"?>
+<p:sld xmlns:a="http://schemas.openxmlformats.org/drawingml/2006/main" xmlns:r="http://schemas.openxmlformats.org/officeDocument/2006/relationships" xmlns:p="http://schemas.openxmlformats.org/presentationml/2006/main">
+  <p:cSld>
+    <p:spTree>
+      <p:nvGrpSpPr>
+        <p:cNvPr id="1" name=""/>
+        <p:cNvGrpSpPr/>
+        <p:nvPr/>
+      </p:nvGrpSpPr>
+      <p:grpSpPr>
+        <a:xfrm>
+          <a:off x="0" y="0"/>
+          <a:ext cx="0" cy="0"/>
+          <a:chOff x="0" y="0"/>
+          <a:chExt cx="0" cy="0"/>
+        </a:xfrm>
+      </p:grpSpPr>
+      <p:sp>
+        <p:nvSpPr>
+          <p:cNvPr id="2" name="Title 1"/>
+          <p:cNvSpPr>
+            <a:spLocks noGrp="1"/>
+          </p:cNvSpPr>
+          <p:nvPr>
+            <p:ph type="title"/>
+          </p:nvPr>
+        </p:nvSpPr>
+        <p:spPr/>
+        <p:txBody>
+          <a:bodyPr/>
+          <a:lstStyle/>
+          <a:p>
+            <a:pPr lvl="0" indent="0" marL="0">
+              <a:buNone/>
+            </a:pPr>
+            <a:r>
+              <a:rPr>
+                <a:hlinkClick r:id="rId2"/>
+              </a:rPr>
+              <a:t>Quarto</a:t>
+            </a:r>
+          </a:p>
+        </p:txBody>
+      </p:sp>
+      <p:sp>
+        <p:nvSpPr>
+          <p:cNvPr id="3" name="Content Placeholder 2"/>
+          <p:cNvSpPr>
+            <a:spLocks noGrp="1"/>
+          </p:cNvSpPr>
+          <p:nvPr>
+            <p:ph idx="1"/>
+          </p:nvPr>
+        </p:nvSpPr>
+        <p:spPr/>
+        <p:txBody>
+          <a:bodyPr/>
+          <a:lstStyle/>
+          <a:p>
+            <a:pPr lvl="0"/>
+            <a:r>
+              <a:rPr/>
+              <a:t>Static Site Generators fit our approach very well, performant, stable, secure</a:t>
+            </a:r>
+          </a:p>
+          <a:p>
+            <a:pPr lvl="0"/>
+            <a:r>
+              <a:rPr/>
+              <a:t>Some colleagues have challenges with the markdown in gitlab (and prefer wordpress)</a:t>
+            </a:r>
+          </a:p>
+          <a:p>
+            <a:pPr lvl="0"/>
+            <a:r>
+              <a:rPr/>
+              <a:t>Intially we started with </a:t>
+            </a:r>
+            <a:r>
+              <a:rPr>
+                <a:hlinkClick r:id="rId3"/>
+              </a:rPr>
+              <a:t>hugo</a:t>
+            </a:r>
+          </a:p>
+          <a:p>
+            <a:pPr lvl="0"/>
+            <a:r>
+              <a:rPr>
+                <a:hlinkClick r:id="rId4"/>
+              </a:rPr>
+              <a:t>Quarto</a:t>
+            </a:r>
+            <a:r>
+              <a:rPr/>
+              <a:t> was used by our data scientists for documentation</a:t>
+            </a:r>
+          </a:p>
+          <a:p>
+            <a:pPr lvl="0"/>
+            <a:r>
+              <a:rPr/>
+              <a:t>Quarto is less flexible, full featured, it generated these slides</a:t>
+            </a:r>
+          </a:p>
+        </p:txBody>
+      </p:sp>
+    </p:spTree>
+  </p:cSld>
+</p:sld>
+</file>
+
+<file path=ppt/slides/slide18.xml><?xml version="1.0" encoding="utf-8"?>
 <p:sld xmlns:a="http://schemas.openxmlformats.org/drawingml/2006/main" xmlns:r="http://schemas.openxmlformats.org/officeDocument/2006/relationships" xmlns:p="http://schemas.openxmlformats.org/presentationml/2006/main">
   <p:cSld>
     <p:spTree>
@@ -4297,8 +4407,10 @@
               <a:buNone/>
             </a:pPr>
             <a:r>
-              <a:rPr/>
-              <a:t>Typical use cases for FOSS(4G) software</a:t>
+              <a:rPr>
+                <a:hlinkClick r:id="rId2"/>
+              </a:rPr>
+              <a:t>Soilwise</a:t>
             </a:r>
           </a:p>
         </p:txBody>
@@ -4318,52 +4430,22 @@
           <a:bodyPr/>
           <a:lstStyle/>
           <a:p>
-            <a:pPr lvl="0"/>
-            <a:r>
-              <a:rPr/>
-              <a:t>Field data collection (OpenDataKit)</a:t>
-            </a:r>
-          </a:p>
-          <a:p>
-            <a:pPr lvl="0"/>
-            <a:r>
-              <a:rPr/>
-              <a:t>Harmonize soil data (Hale, PostGres)</a:t>
-            </a:r>
-          </a:p>
-          <a:p>
-            <a:pPr lvl="0"/>
-            <a:r>
-              <a:rPr/>
-              <a:t>Predict soil property distribution (R, Terra, GDAL)</a:t>
-            </a:r>
-          </a:p>
-          <a:p>
-            <a:pPr lvl="0"/>
-            <a:r>
-              <a:rPr/>
-              <a:t>Cataloguing (pygeometa, pycsw, geonetwork)</a:t>
-            </a:r>
-          </a:p>
-          <a:p>
-            <a:pPr lvl="0"/>
-            <a:r>
-              <a:rPr/>
-              <a:t>Data API’s (Mapserver, FastAPI, Virtuoso)</a:t>
-            </a:r>
-          </a:p>
-          <a:p>
-            <a:pPr lvl="0"/>
-            <a:r>
-              <a:rPr/>
-              <a:t>Content management (Quarto, Drupal)</a:t>
-            </a:r>
-          </a:p>
-          <a:p>
-            <a:pPr lvl="0"/>
-            <a:r>
-              <a:rPr/>
-              <a:t>GIS viewers (QGIS, Leaflet, TerriaJS)</a:t>
+            <a:pPr lvl="0" indent="0" marL="0">
+              <a:buNone/>
+            </a:pPr>
+            <a:r>
+              <a:rPr/>
+              <a:t>SoilWise is a current Horizon Europe project to facilitate the </a:t>
+            </a:r>
+            <a:r>
+              <a:rPr>
+                <a:hlinkClick r:id="rId3"/>
+              </a:rPr>
+              <a:t>mission soil</a:t>
+            </a:r>
+            <a:r>
+              <a:rPr/>
+              <a:t> with tooling and guidance on soil data and knowledge discovery, usage and publication. Practices from this presentation are endorsed and improved in the scope of this project.</a:t>
             </a:r>
           </a:p>
         </p:txBody>
@@ -4410,7 +4492,7 @@
             </a:pPr>
             <a:r>
               <a:rPr/>
-              <a:t>OSGeo and Open GeoSpatial Consortium</a:t>
+              <a:t>Typical use cases for FOSS(4G) software</a:t>
             </a:r>
           </a:p>
         </p:txBody>
@@ -4433,28 +4515,49 @@
             <a:pPr lvl="0"/>
             <a:r>
               <a:rPr/>
-              <a:t>The OGC community provides standards for data api’s &amp; data formats</a:t>
-            </a:r>
-          </a:p>
-          <a:p>
-            <a:pPr lvl="0"/>
-            <a:r>
-              <a:rPr/>
-              <a:t>As independent foundation we aim to be neutral to software vendors, offered by standardised api’s</a:t>
-            </a:r>
-          </a:p>
-          <a:p>
-            <a:pPr lvl="0"/>
-            <a:r>
-              <a:rPr/>
-              <a:t>OSGeo tools are commonly OGC compliant, many innovations at OGC are driven by open source software</a:t>
-            </a:r>
-          </a:p>
-          <a:p>
-            <a:pPr lvl="0"/>
-            <a:r>
-              <a:rPr/>
-              <a:t>Open formats enable future backwards compatibility for today’s datasets</a:t>
+              <a:t>Field data collection (OpenDataKit)</a:t>
+            </a:r>
+          </a:p>
+          <a:p>
+            <a:pPr lvl="0"/>
+            <a:r>
+              <a:rPr/>
+              <a:t>Harmonize soil data (Hale, PostGres)</a:t>
+            </a:r>
+          </a:p>
+          <a:p>
+            <a:pPr lvl="0"/>
+            <a:r>
+              <a:rPr/>
+              <a:t>Predict soil property distribution (R, Terra, GDAL)</a:t>
+            </a:r>
+          </a:p>
+          <a:p>
+            <a:pPr lvl="0"/>
+            <a:r>
+              <a:rPr/>
+              <a:t>Cataloguing (pygeometa, pycsw, geonetwork)</a:t>
+            </a:r>
+          </a:p>
+          <a:p>
+            <a:pPr lvl="0"/>
+            <a:r>
+              <a:rPr/>
+              <a:t>Data API’s (Mapserver, FastAPI, Virtuoso)</a:t>
+            </a:r>
+          </a:p>
+          <a:p>
+            <a:pPr lvl="0"/>
+            <a:r>
+              <a:rPr/>
+              <a:t>Content management (Quarto, Drupal)</a:t>
+            </a:r>
+          </a:p>
+          <a:p>
+            <a:pPr lvl="0"/>
+            <a:r>
+              <a:rPr/>
+              <a:t>GIS viewers (QGIS, Leaflet, TerriaJS)</a:t>
             </a:r>
           </a:p>
         </p:txBody>
@@ -4501,7 +4604,7 @@
             </a:pPr>
             <a:r>
               <a:rPr/>
-              <a:t>Relevant OGC standards</a:t>
+              <a:t>OSGeo and Open GeoSpatial Consortium</a:t>
             </a:r>
           </a:p>
         </p:txBody>
@@ -4524,92 +4627,28 @@
             <a:pPr lvl="0"/>
             <a:r>
               <a:rPr/>
-              <a:t>Web Map Service, Web Coverage Service, Web Feature service, Catalogue service for the web</a:t>
-            </a:r>
-          </a:p>
-          <a:p>
-            <a:pPr lvl="0"/>
-            <a:r>
-              <a:rPr/>
-              <a:t>Sensor Observation Service (</a:t>
-            </a:r>
-            <a:r>
-              <a:rPr>
-                <a:hlinkClick r:id="rId2"/>
-              </a:rPr>
-              <a:t>INSPIRE Soil</a:t>
-            </a:r>
-            <a:r>
-              <a:rPr/>
-              <a:t> is based on </a:t>
-            </a:r>
-            <a:r>
-              <a:rPr>
-                <a:hlinkClick r:id="rId3"/>
-              </a:rPr>
-              <a:t>Observations&amp;Measurements</a:t>
-            </a:r>
-            <a:r>
-              <a:rPr/>
-              <a:t>)</a:t>
-            </a:r>
-          </a:p>
-          <a:p>
-            <a:pPr lvl="0"/>
-            <a:r>
-              <a:rPr/>
-              <a:t>GeoPackage (See </a:t>
-            </a:r>
-            <a:r>
-              <a:rPr>
-                <a:hlinkClick r:id="rId4"/>
-              </a:rPr>
-              <a:t>INSPIRE Good Practice on GeoPackage</a:t>
-            </a:r>
-            <a:r>
-              <a:rPr/>
-              <a:t>)</a:t>
-            </a:r>
-          </a:p>
-          <a:p>
-            <a:pPr lvl="0"/>
-            <a:r>
-              <a:rPr/>
-              <a:t>Styled Layer Descriptor (</a:t>
-            </a:r>
-            <a:r>
-              <a:rPr>
-                <a:hlinkClick r:id="rId5"/>
-              </a:rPr>
-              <a:t>SLD</a:t>
-            </a:r>
-            <a:r>
-              <a:rPr/>
-              <a:t>)</a:t>
-            </a:r>
-          </a:p>
-          <a:p>
-            <a:pPr lvl="0"/>
-            <a:r>
-              <a:rPr/>
-              <a:t>Cloud Optimised GeoTiff (</a:t>
-            </a:r>
-            <a:r>
-              <a:rPr>
-                <a:hlinkClick r:id="rId6"/>
-              </a:rPr>
-              <a:t>COG</a:t>
-            </a:r>
-            <a:r>
-              <a:rPr/>
-              <a:t>)</a:t>
-            </a:r>
-          </a:p>
-          <a:p>
-            <a:pPr lvl="0"/>
-            <a:r>
-              <a:rPr/>
-              <a:t>OGC API - Records / STAC</a:t>
+              <a:t>The OGC community provides standards for data api’s &amp; data formats</a:t>
+            </a:r>
+          </a:p>
+          <a:p>
+            <a:pPr lvl="0"/>
+            <a:r>
+              <a:rPr/>
+              <a:t>As independent foundation we aim to be neutral to software vendors, offered by standardised api’s</a:t>
+            </a:r>
+          </a:p>
+          <a:p>
+            <a:pPr lvl="0"/>
+            <a:r>
+              <a:rPr/>
+              <a:t>OSGeo tools are commonly OGC compliant, many innovations at OGC are driven by open source software</a:t>
+            </a:r>
+          </a:p>
+          <a:p>
+            <a:pPr lvl="0"/>
+            <a:r>
+              <a:rPr/>
+              <a:t>Open formats enable future backwards compatibility for today’s datasets</a:t>
             </a:r>
           </a:p>
         </p:txBody>
@@ -4656,7 +4695,7 @@
             </a:pPr>
             <a:r>
               <a:rPr/>
-              <a:t>OGC and FAIR</a:t>
+              <a:t>Relevant OGC standards</a:t>
             </a:r>
           </a:p>
         </p:txBody>
@@ -4677,49 +4716,94 @@
           <a:lstStyle/>
           <a:p>
             <a:pPr lvl="0"/>
+            <a:r>
+              <a:rPr/>
+              <a:t>Web Map Service, Web Coverage Service, Web Feature service, Catalogue service for the web</a:t>
+            </a:r>
+          </a:p>
+          <a:p>
+            <a:pPr lvl="0"/>
+            <a:r>
+              <a:rPr/>
+              <a:t>Sensor Observation Service (</a:t>
+            </a:r>
             <a:r>
               <a:rPr>
                 <a:hlinkClick r:id="rId2"/>
               </a:rPr>
-              <a:t>FAIR principles</a:t>
-            </a:r>
-            <a:r>
-              <a:rPr/>
-              <a:t> are popular in academia (and beyond)</a:t>
-            </a:r>
-          </a:p>
-          <a:p>
-            <a:pPr lvl="0"/>
-            <a:r>
-              <a:rPr/>
-              <a:t>FAIR and OGC pursue slightly different goals, however OGC recently started a working group on </a:t>
+              <a:t>INSPIRE Soil</a:t>
+            </a:r>
+            <a:r>
+              <a:rPr/>
+              <a:t> is based on </a:t>
             </a:r>
             <a:r>
               <a:rPr>
                 <a:hlinkClick r:id="rId3"/>
               </a:rPr>
-              <a:t>open science</a:t>
-            </a:r>
-          </a:p>
-          <a:p>
-            <a:pPr lvl="0"/>
-            <a:r>
-              <a:rPr/>
-              <a:t>Academia assumes a dataset as a stable set of records, identified with a persistant identifier (DOI)</a:t>
-            </a:r>
-          </a:p>
-          <a:p>
-            <a:pPr lvl="0"/>
-            <a:r>
-              <a:rPr/>
-              <a:t>Novel data formats allow subsetting via range requests, they may facilitate both uses (GeoParquet, COG)</a:t>
-            </a:r>
-          </a:p>
-          <a:p>
-            <a:pPr lvl="0"/>
-            <a:r>
-              <a:rPr/>
-              <a:t>Alignment of vocabularies is relevant for both communities, not many tooling available (SKOS)</a:t>
+              <a:t>Observations&amp;Measurements</a:t>
+            </a:r>
+            <a:r>
+              <a:rPr/>
+              <a:t>)</a:t>
+            </a:r>
+          </a:p>
+          <a:p>
+            <a:pPr lvl="0"/>
+            <a:r>
+              <a:rPr/>
+              <a:t>GeoPackage (See </a:t>
+            </a:r>
+            <a:r>
+              <a:rPr>
+                <a:hlinkClick r:id="rId4"/>
+              </a:rPr>
+              <a:t>INSPIRE Good Practice on GeoPackage</a:t>
+            </a:r>
+            <a:r>
+              <a:rPr/>
+              <a:t>)</a:t>
+            </a:r>
+          </a:p>
+          <a:p>
+            <a:pPr lvl="0"/>
+            <a:r>
+              <a:rPr/>
+              <a:t>Styled Layer Descriptor (</a:t>
+            </a:r>
+            <a:r>
+              <a:rPr>
+                <a:hlinkClick r:id="rId5"/>
+              </a:rPr>
+              <a:t>SLD</a:t>
+            </a:r>
+            <a:r>
+              <a:rPr/>
+              <a:t>)</a:t>
+            </a:r>
+          </a:p>
+          <a:p>
+            <a:pPr lvl="0"/>
+            <a:r>
+              <a:rPr/>
+              <a:t>Cloud Optimised GeoTiff (</a:t>
+            </a:r>
+            <a:r>
+              <a:rPr>
+                <a:hlinkClick r:id="rId6"/>
+              </a:rPr>
+              <a:t>COG</a:t>
+            </a:r>
+            <a:r>
+              <a:rPr/>
+              <a:t>)</a:t>
+            </a:r>
+          </a:p>
+          <a:p>
+            <a:pPr lvl="0"/>
+            <a:r>
+              <a:rPr/>
+              <a:t>OGC API - Records / STAC</a:t>
             </a:r>
           </a:p>
         </p:txBody>
@@ -4766,7 +4850,7 @@
             </a:pPr>
             <a:r>
               <a:rPr/>
-              <a:t>About me; a Shift from OSGeo developer to OSGeo user</a:t>
+              <a:t>OGC and FAIR</a:t>
             </a:r>
           </a:p>
         </p:txBody>
@@ -4788,22 +4872,48 @@
           <a:p>
             <a:pPr lvl="0"/>
             <a:r>
-              <a:rPr/>
-              <a:t>3yrs ago, I shifted from software developer to software user</a:t>
-            </a:r>
-          </a:p>
-          <a:p>
-            <a:pPr lvl="0"/>
-            <a:r>
-              <a:rPr/>
-              <a:t>Current tasks are Data science, DevOps</a:t>
-            </a:r>
-          </a:p>
-          <a:p>
-            <a:pPr lvl="0"/>
-            <a:r>
-              <a:rPr/>
-              <a:t>Next slides present some experiences around OSGeo software from a user perspective</a:t>
+              <a:rPr>
+                <a:hlinkClick r:id="rId2"/>
+              </a:rPr>
+              <a:t>FAIR principles</a:t>
+            </a:r>
+            <a:r>
+              <a:rPr/>
+              <a:t> are popular in academia (and beyond)</a:t>
+            </a:r>
+          </a:p>
+          <a:p>
+            <a:pPr lvl="0"/>
+            <a:r>
+              <a:rPr/>
+              <a:t>FAIR and OGC pursue slightly different goals, however OGC recently started a working group on </a:t>
+            </a:r>
+            <a:r>
+              <a:rPr>
+                <a:hlinkClick r:id="rId3"/>
+              </a:rPr>
+              <a:t>open science</a:t>
+            </a:r>
+          </a:p>
+          <a:p>
+            <a:pPr lvl="0"/>
+            <a:r>
+              <a:rPr/>
+              <a:t>Academia assumes a dataset as a stable set of records, identified with a persistant identifier (DOI)</a:t>
+            </a:r>
+          </a:p>
+          <a:p>
+            <a:pPr lvl="0"/>
+            <a:r>
+              <a:rPr/>
+              <a:t>Novel data formats allow subsetting via range requests, they may facilitate both uses (GeoParquet, COG)</a:t>
+            </a:r>
+          </a:p>
+          <a:p>
+            <a:pPr lvl="0"/>
+            <a:r>
+              <a:rPr/>
+              <a:t>Alignment of vocabularies is relevant for both communities, not many tooling available (SKOS)</a:t>
             </a:r>
           </a:p>
         </p:txBody>
@@ -4849,10 +4959,8 @@
               <a:buNone/>
             </a:pPr>
             <a:r>
-              <a:rPr>
-                <a:hlinkClick r:id="rId2"/>
-              </a:rPr>
-              <a:t>Mapserver</a:t>
+              <a:rPr/>
+              <a:t>About me; a Shift from OSGeo developer to OSGeo user</a:t>
             </a:r>
           </a:p>
         </p:txBody>
@@ -4875,44 +4983,21 @@
             <a:pPr lvl="0"/>
             <a:r>
               <a:rPr/>
-              <a:t>We work with a consultant from the mapserver developer community for expert advice and development</a:t>
-            </a:r>
-          </a:p>
-          <a:p>
-            <a:pPr lvl="0"/>
-            <a:r>
-              <a:rPr/>
-              <a:t>SLD support, you can now use a SLD file (from QGIS) to </a:t>
-            </a:r>
-            <a:r>
-              <a:rPr>
-                <a:hlinkClick r:id="rId3"/>
-              </a:rPr>
-              <a:t>configure the style of a layer</a:t>
-            </a:r>
-          </a:p>
-          <a:p>
-            <a:pPr lvl="0"/>
-            <a:r>
-              <a:rPr/>
-              <a:t>Currently working on </a:t>
-            </a:r>
-            <a:r>
-              <a:rPr>
-                <a:hlinkClick r:id="rId4"/>
-              </a:rPr>
-              <a:t>Mapserver Homepage</a:t>
-            </a:r>
-            <a:r>
-              <a:rPr/>
-              <a:t>, presenting a list of the services available in a server</a:t>
-            </a:r>
-          </a:p>
-          <a:p>
-            <a:pPr lvl="0"/>
-            <a:r>
-              <a:rPr/>
-              <a:t>I’m not following the mailinglist as much as needed</a:t>
+              <a:t>3yrs ago, I shifted from software developer to software user</a:t>
+            </a:r>
+          </a:p>
+          <a:p>
+            <a:pPr lvl="0"/>
+            <a:r>
+              <a:rPr/>
+              <a:t>Current tasks are Data science, DevOps</a:t>
+            </a:r>
+          </a:p>
+          <a:p>
+            <a:pPr lvl="0"/>
+            <a:r>
+              <a:rPr/>
+              <a:t>Next slides present some experiences around OSGeo software from a user perspective</a:t>
             </a:r>
           </a:p>
         </p:txBody>

--- a/slides/20250703-foss4gnl-opensource-at-isric.pptx
+++ b/slides/20250703-foss4gnl-opensource-at-isric.pptx
@@ -4316,8 +4316,8 @@
         </p:blipFill>
         <p:spPr bwMode="auto">
           <a:xfrm>
-            <a:off x="2400300" y="1193800"/>
-            <a:ext cx="4330700" cy="2882900"/>
+            <a:off x="2413000" y="1193800"/>
+            <a:ext cx="4318000" cy="2882900"/>
           </a:xfrm>
           <a:prstGeom prst="rect">
             <a:avLst/>
